--- a/defense/Rough_slides.pptx
+++ b/defense/Rough_slides.pptx
@@ -241,7 +241,7 @@
           <a:p>
             <a:fld id="{9D9501FF-ABFD-4A20-9D6D-E502A59752B5}" type="datetimeFigureOut">
               <a:rPr lang="en-US" smtClean="0"/>
-              <a:t>11/15/2016</a:t>
+              <a:t>11/18/2016</a:t>
             </a:fld>
             <a:endParaRPr lang="en-US"/>
           </a:p>
@@ -409,7 +409,7 @@
           <a:p>
             <a:fld id="{9D9501FF-ABFD-4A20-9D6D-E502A59752B5}" type="datetimeFigureOut">
               <a:rPr lang="en-US" smtClean="0"/>
-              <a:t>11/15/2016</a:t>
+              <a:t>11/18/2016</a:t>
             </a:fld>
             <a:endParaRPr lang="en-US"/>
           </a:p>
@@ -587,7 +587,7 @@
           <a:p>
             <a:fld id="{9D9501FF-ABFD-4A20-9D6D-E502A59752B5}" type="datetimeFigureOut">
               <a:rPr lang="en-US" smtClean="0"/>
-              <a:t>11/15/2016</a:t>
+              <a:t>11/18/2016</a:t>
             </a:fld>
             <a:endParaRPr lang="en-US"/>
           </a:p>
@@ -755,7 +755,7 @@
           <a:p>
             <a:fld id="{9D9501FF-ABFD-4A20-9D6D-E502A59752B5}" type="datetimeFigureOut">
               <a:rPr lang="en-US" smtClean="0"/>
-              <a:t>11/15/2016</a:t>
+              <a:t>11/18/2016</a:t>
             </a:fld>
             <a:endParaRPr lang="en-US"/>
           </a:p>
@@ -1000,7 +1000,7 @@
           <a:p>
             <a:fld id="{9D9501FF-ABFD-4A20-9D6D-E502A59752B5}" type="datetimeFigureOut">
               <a:rPr lang="en-US" smtClean="0"/>
-              <a:t>11/15/2016</a:t>
+              <a:t>11/18/2016</a:t>
             </a:fld>
             <a:endParaRPr lang="en-US"/>
           </a:p>
@@ -1229,7 +1229,7 @@
           <a:p>
             <a:fld id="{9D9501FF-ABFD-4A20-9D6D-E502A59752B5}" type="datetimeFigureOut">
               <a:rPr lang="en-US" smtClean="0"/>
-              <a:t>11/15/2016</a:t>
+              <a:t>11/18/2016</a:t>
             </a:fld>
             <a:endParaRPr lang="en-US"/>
           </a:p>
@@ -1593,7 +1593,7 @@
           <a:p>
             <a:fld id="{9D9501FF-ABFD-4A20-9D6D-E502A59752B5}" type="datetimeFigureOut">
               <a:rPr lang="en-US" smtClean="0"/>
-              <a:t>11/15/2016</a:t>
+              <a:t>11/18/2016</a:t>
             </a:fld>
             <a:endParaRPr lang="en-US"/>
           </a:p>
@@ -1710,7 +1710,7 @@
           <a:p>
             <a:fld id="{9D9501FF-ABFD-4A20-9D6D-E502A59752B5}" type="datetimeFigureOut">
               <a:rPr lang="en-US" smtClean="0"/>
-              <a:t>11/15/2016</a:t>
+              <a:t>11/18/2016</a:t>
             </a:fld>
             <a:endParaRPr lang="en-US"/>
           </a:p>
@@ -1805,7 +1805,7 @@
           <a:p>
             <a:fld id="{9D9501FF-ABFD-4A20-9D6D-E502A59752B5}" type="datetimeFigureOut">
               <a:rPr lang="en-US" smtClean="0"/>
-              <a:t>11/15/2016</a:t>
+              <a:t>11/18/2016</a:t>
             </a:fld>
             <a:endParaRPr lang="en-US"/>
           </a:p>
@@ -2080,7 +2080,7 @@
           <a:p>
             <a:fld id="{9D9501FF-ABFD-4A20-9D6D-E502A59752B5}" type="datetimeFigureOut">
               <a:rPr lang="en-US" smtClean="0"/>
-              <a:t>11/15/2016</a:t>
+              <a:t>11/18/2016</a:t>
             </a:fld>
             <a:endParaRPr lang="en-US"/>
           </a:p>
@@ -2335,7 +2335,7 @@
           <a:p>
             <a:fld id="{9D9501FF-ABFD-4A20-9D6D-E502A59752B5}" type="datetimeFigureOut">
               <a:rPr lang="en-US" smtClean="0"/>
-              <a:t>11/15/2016</a:t>
+              <a:t>11/18/2016</a:t>
             </a:fld>
             <a:endParaRPr lang="en-US"/>
           </a:p>
@@ -2546,7 +2546,7 @@
           <a:p>
             <a:fld id="{9D9501FF-ABFD-4A20-9D6D-E502A59752B5}" type="datetimeFigureOut">
               <a:rPr lang="en-US" smtClean="0"/>
-              <a:t>11/15/2016</a:t>
+              <a:t>11/18/2016</a:t>
             </a:fld>
             <a:endParaRPr lang="en-US"/>
           </a:p>

--- a/defense/Rough_slides.pptx
+++ b/defense/Rough_slides.pptx
@@ -4,8 +4,12 @@
   <p:sldMasterIdLst>
     <p:sldMasterId id="2147483648" r:id="rId1"/>
   </p:sldMasterIdLst>
+  <p:notesMasterIdLst>
+    <p:notesMasterId r:id="rId4"/>
+  </p:notesMasterIdLst>
   <p:sldIdLst>
     <p:sldId id="256" r:id="rId2"/>
+    <p:sldId id="257" r:id="rId3"/>
   </p:sldIdLst>
   <p:sldSz cx="12192000" cy="6858000"/>
   <p:notesSz cx="6858000" cy="9144000"/>
@@ -112,6 +116,475 @@
 </p:presentation>
 </file>
 
+<file path=ppt/ink/ink1.xml><?xml version="1.0" encoding="utf-8"?>
+<inkml:ink xmlns:inkml="http://www.w3.org/2003/InkML">
+  <inkml:definitions>
+    <inkml:context xml:id="ctx0">
+      <inkml:inkSource xml:id="inkSrc0">
+        <inkml:traceFormat>
+          <inkml:channel name="X" type="integer" min="-2.14748E9" max="2.14748E9" units="cm"/>
+          <inkml:channel name="Y" type="integer" min="-2.14748E9" max="2.14748E9" units="cm"/>
+          <inkml:channel name="F" type="integer" max="32767" units="dev"/>
+        </inkml:traceFormat>
+        <inkml:channelProperties>
+          <inkml:channelProperty channel="X" name="resolution" value="1000" units="1/cm"/>
+          <inkml:channelProperty channel="Y" name="resolution" value="1000" units="1/cm"/>
+          <inkml:channelProperty channel="F" name="resolution" value="0" units="1/dev"/>
+        </inkml:channelProperties>
+      </inkml:inkSource>
+      <inkml:timestamp xml:id="ts0" timeString="2016-11-22T19:01:26.593"/>
+    </inkml:context>
+    <inkml:brush xml:id="br0">
+      <inkml:brushProperty name="width" value="0.12347" units="cm"/>
+      <inkml:brushProperty name="height" value="0.12347" units="cm"/>
+      <inkml:brushProperty name="color" value="#A6A6A6"/>
+    </inkml:brush>
+  </inkml:definitions>
+  <inkml:trace contextRef="#ctx0" brushRef="#br0">5360 2612 768,'0'0'384,"0"0"-128,0 0 512,0 0-768,0 0 0,0 0 128,0 0 128,0 0-128,0 0 0,0 0 128,0 0 128,0 0 0,0 0 0,0 0-128,0 0 0,0 0-128,0 0 0,0 13 0,0-13 0,0 0 0,0 14 128,0-1-128,0 1 0,0 0 0,0-1 0,0 15 0,16-14 0,-16-1-128,14 1 128,-14 0-128,15-1 128,0 1-128,0-14 128,-15 27-128,15-27 128,0 14-128,1-1 0,-1 1 128,0 0 0,0 0-128,-15-14 0,15 13 0,0-13 128,0 14 128,-15-14 0,16 0-128,-1 0 128,-1 0 0,-14 0 0,16 0-128,-1-14 128,14 14-256,2-13 128,-1-1-128,-15 0 128,0 0-128,0 1 0,1-1 0,-1 14 0,-1-14 128,2 1 0,-16-1-128,15 1 128,0-1-128,-15 0 128,14 1 0,2-15 0,-16 14-128,15-13 0,0 13 0,0-13 0,0 14 0,15-15 0,-15 15-128,1-15 128,14 14 0,-15 1 0,0-1-128,0 14 128,0-14 0,15 14 0,0-13 0,-15 13 0,15 0 0,-15 0 0,16 0 0,-16 0 0,0 0 0,0 13 128,0-13-128,0 14 0,0 0 0,0-1 0,0 1 0,0 0 128,1 13-128,-2-13 0,-14 0 0,15-1 0,-15 14 0,0-13 128,0 13-128,0 1 0,0-14 0,0-1 128,-15 1-128,15 0 0,-14-1 0,14 1 0,-16-1 0,16 1 0,0 0 0,-15-1 0,15 1 0,0 0 128,-15 0-128,0-14 0,0 13 0,15 1 0,-15-1 0,0 1 0,0 0 0,0-14 0,-15 27 0,14-27 0,1 27-128,0-13 128,0 0 0,0 0 0,15-1 0,-15 1 0,15 13-128,0-14 128,0 15 0,0-15 0,15 15 0,-15-14 128,0 0-128,15-1 0,0 1 128,-15-14 0,15 13-256,-15 1 0,15-14-768,-15 0 128,16 0-512,-1-14 0</inkml:trace>
+</inkml:ink>
+</file>
+
+<file path=ppt/notesMasters/notesMaster1.xml><?xml version="1.0" encoding="utf-8"?>
+<p:notesMaster xmlns:a="http://schemas.openxmlformats.org/drawingml/2006/main" xmlns:r="http://schemas.openxmlformats.org/officeDocument/2006/relationships" xmlns:p="http://schemas.openxmlformats.org/presentationml/2006/main">
+  <p:cSld>
+    <p:bg>
+      <p:bgRef idx="1001">
+        <a:schemeClr val="bg1"/>
+      </p:bgRef>
+    </p:bg>
+    <p:spTree>
+      <p:nvGrpSpPr>
+        <p:cNvPr id="1" name=""/>
+        <p:cNvGrpSpPr/>
+        <p:nvPr/>
+      </p:nvGrpSpPr>
+      <p:grpSpPr>
+        <a:xfrm>
+          <a:off x="0" y="0"/>
+          <a:ext cx="0" cy="0"/>
+          <a:chOff x="0" y="0"/>
+          <a:chExt cx="0" cy="0"/>
+        </a:xfrm>
+      </p:grpSpPr>
+      <p:sp>
+        <p:nvSpPr>
+          <p:cNvPr id="2" name="Header Placeholder 1"/>
+          <p:cNvSpPr>
+            <a:spLocks noGrp="1"/>
+          </p:cNvSpPr>
+          <p:nvPr>
+            <p:ph type="hdr" sz="quarter"/>
+          </p:nvPr>
+        </p:nvSpPr>
+        <p:spPr>
+          <a:xfrm>
+            <a:off x="0" y="0"/>
+            <a:ext cx="2971800" cy="458788"/>
+          </a:xfrm>
+          <a:prstGeom prst="rect">
+            <a:avLst/>
+          </a:prstGeom>
+        </p:spPr>
+        <p:txBody>
+          <a:bodyPr vert="horz" lIns="91440" tIns="45720" rIns="91440" bIns="45720" rtlCol="0"/>
+          <a:lstStyle>
+            <a:lvl1pPr algn="l">
+              <a:defRPr sz="1200"/>
+            </a:lvl1pPr>
+          </a:lstStyle>
+          <a:p>
+            <a:endParaRPr lang="en-US"/>
+          </a:p>
+        </p:txBody>
+      </p:sp>
+      <p:sp>
+        <p:nvSpPr>
+          <p:cNvPr id="3" name="Date Placeholder 2"/>
+          <p:cNvSpPr>
+            <a:spLocks noGrp="1"/>
+          </p:cNvSpPr>
+          <p:nvPr>
+            <p:ph type="dt" idx="1"/>
+          </p:nvPr>
+        </p:nvSpPr>
+        <p:spPr>
+          <a:xfrm>
+            <a:off x="3884613" y="0"/>
+            <a:ext cx="2971800" cy="458788"/>
+          </a:xfrm>
+          <a:prstGeom prst="rect">
+            <a:avLst/>
+          </a:prstGeom>
+        </p:spPr>
+        <p:txBody>
+          <a:bodyPr vert="horz" lIns="91440" tIns="45720" rIns="91440" bIns="45720" rtlCol="0"/>
+          <a:lstStyle>
+            <a:lvl1pPr algn="r">
+              <a:defRPr sz="1200"/>
+            </a:lvl1pPr>
+          </a:lstStyle>
+          <a:p>
+            <a:fld id="{40BB7926-BFFB-4486-8108-DF2553C253F7}" type="datetimeFigureOut">
+              <a:rPr lang="en-US" smtClean="0"/>
+              <a:t>11/22/2016</a:t>
+            </a:fld>
+            <a:endParaRPr lang="en-US"/>
+          </a:p>
+        </p:txBody>
+      </p:sp>
+      <p:sp>
+        <p:nvSpPr>
+          <p:cNvPr id="4" name="Slide Image Placeholder 3"/>
+          <p:cNvSpPr>
+            <a:spLocks noGrp="1" noRot="1" noChangeAspect="1"/>
+          </p:cNvSpPr>
+          <p:nvPr>
+            <p:ph type="sldImg" idx="2"/>
+          </p:nvPr>
+        </p:nvSpPr>
+        <p:spPr>
+          <a:xfrm>
+            <a:off x="685800" y="1143000"/>
+            <a:ext cx="5486400" cy="3086100"/>
+          </a:xfrm>
+          <a:prstGeom prst="rect">
+            <a:avLst/>
+          </a:prstGeom>
+          <a:noFill/>
+          <a:ln w="12700">
+            <a:solidFill>
+              <a:prstClr val="black"/>
+            </a:solidFill>
+          </a:ln>
+        </p:spPr>
+        <p:txBody>
+          <a:bodyPr vert="horz" lIns="91440" tIns="45720" rIns="91440" bIns="45720" rtlCol="0" anchor="ctr"/>
+          <a:lstStyle/>
+          <a:p>
+            <a:endParaRPr lang="en-US"/>
+          </a:p>
+        </p:txBody>
+      </p:sp>
+      <p:sp>
+        <p:nvSpPr>
+          <p:cNvPr id="5" name="Notes Placeholder 4"/>
+          <p:cNvSpPr>
+            <a:spLocks noGrp="1"/>
+          </p:cNvSpPr>
+          <p:nvPr>
+            <p:ph type="body" sz="quarter" idx="3"/>
+          </p:nvPr>
+        </p:nvSpPr>
+        <p:spPr>
+          <a:xfrm>
+            <a:off x="685800" y="4400550"/>
+            <a:ext cx="5486400" cy="3600450"/>
+          </a:xfrm>
+          <a:prstGeom prst="rect">
+            <a:avLst/>
+          </a:prstGeom>
+        </p:spPr>
+        <p:txBody>
+          <a:bodyPr vert="horz" lIns="91440" tIns="45720" rIns="91440" bIns="45720" rtlCol="0"/>
+          <a:lstStyle/>
+          <a:p>
+            <a:pPr lvl="0"/>
+            <a:r>
+              <a:rPr lang="en-US"/>
+              <a:t>Edit Master text styles</a:t>
+            </a:r>
+          </a:p>
+          <a:p>
+            <a:pPr lvl="1"/>
+            <a:r>
+              <a:rPr lang="en-US"/>
+              <a:t>Second level</a:t>
+            </a:r>
+          </a:p>
+          <a:p>
+            <a:pPr lvl="2"/>
+            <a:r>
+              <a:rPr lang="en-US"/>
+              <a:t>Third level</a:t>
+            </a:r>
+          </a:p>
+          <a:p>
+            <a:pPr lvl="3"/>
+            <a:r>
+              <a:rPr lang="en-US"/>
+              <a:t>Fourth level</a:t>
+            </a:r>
+          </a:p>
+          <a:p>
+            <a:pPr lvl="4"/>
+            <a:r>
+              <a:rPr lang="en-US"/>
+              <a:t>Fifth level</a:t>
+            </a:r>
+          </a:p>
+        </p:txBody>
+      </p:sp>
+      <p:sp>
+        <p:nvSpPr>
+          <p:cNvPr id="6" name="Footer Placeholder 5"/>
+          <p:cNvSpPr>
+            <a:spLocks noGrp="1"/>
+          </p:cNvSpPr>
+          <p:nvPr>
+            <p:ph type="ftr" sz="quarter" idx="4"/>
+          </p:nvPr>
+        </p:nvSpPr>
+        <p:spPr>
+          <a:xfrm>
+            <a:off x="0" y="8685213"/>
+            <a:ext cx="2971800" cy="458787"/>
+          </a:xfrm>
+          <a:prstGeom prst="rect">
+            <a:avLst/>
+          </a:prstGeom>
+        </p:spPr>
+        <p:txBody>
+          <a:bodyPr vert="horz" lIns="91440" tIns="45720" rIns="91440" bIns="45720" rtlCol="0" anchor="b"/>
+          <a:lstStyle>
+            <a:lvl1pPr algn="l">
+              <a:defRPr sz="1200"/>
+            </a:lvl1pPr>
+          </a:lstStyle>
+          <a:p>
+            <a:endParaRPr lang="en-US"/>
+          </a:p>
+        </p:txBody>
+      </p:sp>
+      <p:sp>
+        <p:nvSpPr>
+          <p:cNvPr id="7" name="Slide Number Placeholder 6"/>
+          <p:cNvSpPr>
+            <a:spLocks noGrp="1"/>
+          </p:cNvSpPr>
+          <p:nvPr>
+            <p:ph type="sldNum" sz="quarter" idx="5"/>
+          </p:nvPr>
+        </p:nvSpPr>
+        <p:spPr>
+          <a:xfrm>
+            <a:off x="3884613" y="8685213"/>
+            <a:ext cx="2971800" cy="458787"/>
+          </a:xfrm>
+          <a:prstGeom prst="rect">
+            <a:avLst/>
+          </a:prstGeom>
+        </p:spPr>
+        <p:txBody>
+          <a:bodyPr vert="horz" lIns="91440" tIns="45720" rIns="91440" bIns="45720" rtlCol="0" anchor="b"/>
+          <a:lstStyle>
+            <a:lvl1pPr algn="r">
+              <a:defRPr sz="1200"/>
+            </a:lvl1pPr>
+          </a:lstStyle>
+          <a:p>
+            <a:fld id="{23DEB827-5557-4703-80E4-45B219C7034D}" type="slidenum">
+              <a:rPr lang="en-US" smtClean="0"/>
+              <a:t>‹#›</a:t>
+            </a:fld>
+            <a:endParaRPr lang="en-US"/>
+          </a:p>
+        </p:txBody>
+      </p:sp>
+    </p:spTree>
+    <p:extLst>
+      <p:ext uri="{BB962C8B-B14F-4D97-AF65-F5344CB8AC3E}">
+        <p14:creationId xmlns:p14="http://schemas.microsoft.com/office/powerpoint/2010/main" val="2138298746"/>
+      </p:ext>
+    </p:extLst>
+  </p:cSld>
+  <p:clrMap bg1="lt1" tx1="dk1" bg2="lt2" tx2="dk2" accent1="accent1" accent2="accent2" accent3="accent3" accent4="accent4" accent5="accent5" accent6="accent6" hlink="hlink" folHlink="folHlink"/>
+  <p:notesStyle>
+    <a:lvl1pPr marL="0" algn="l" defTabSz="914400" rtl="0" eaLnBrk="1" latinLnBrk="0" hangingPunct="1">
+      <a:defRPr sz="1200" kern="1200">
+        <a:solidFill>
+          <a:schemeClr val="tx1"/>
+        </a:solidFill>
+        <a:latin typeface="+mn-lt"/>
+        <a:ea typeface="+mn-ea"/>
+        <a:cs typeface="+mn-cs"/>
+      </a:defRPr>
+    </a:lvl1pPr>
+    <a:lvl2pPr marL="457200" algn="l" defTabSz="914400" rtl="0" eaLnBrk="1" latinLnBrk="0" hangingPunct="1">
+      <a:defRPr sz="1200" kern="1200">
+        <a:solidFill>
+          <a:schemeClr val="tx1"/>
+        </a:solidFill>
+        <a:latin typeface="+mn-lt"/>
+        <a:ea typeface="+mn-ea"/>
+        <a:cs typeface="+mn-cs"/>
+      </a:defRPr>
+    </a:lvl2pPr>
+    <a:lvl3pPr marL="914400" algn="l" defTabSz="914400" rtl="0" eaLnBrk="1" latinLnBrk="0" hangingPunct="1">
+      <a:defRPr sz="1200" kern="1200">
+        <a:solidFill>
+          <a:schemeClr val="tx1"/>
+        </a:solidFill>
+        <a:latin typeface="+mn-lt"/>
+        <a:ea typeface="+mn-ea"/>
+        <a:cs typeface="+mn-cs"/>
+      </a:defRPr>
+    </a:lvl3pPr>
+    <a:lvl4pPr marL="1371600" algn="l" defTabSz="914400" rtl="0" eaLnBrk="1" latinLnBrk="0" hangingPunct="1">
+      <a:defRPr sz="1200" kern="1200">
+        <a:solidFill>
+          <a:schemeClr val="tx1"/>
+        </a:solidFill>
+        <a:latin typeface="+mn-lt"/>
+        <a:ea typeface="+mn-ea"/>
+        <a:cs typeface="+mn-cs"/>
+      </a:defRPr>
+    </a:lvl4pPr>
+    <a:lvl5pPr marL="1828800" algn="l" defTabSz="914400" rtl="0" eaLnBrk="1" latinLnBrk="0" hangingPunct="1">
+      <a:defRPr sz="1200" kern="1200">
+        <a:solidFill>
+          <a:schemeClr val="tx1"/>
+        </a:solidFill>
+        <a:latin typeface="+mn-lt"/>
+        <a:ea typeface="+mn-ea"/>
+        <a:cs typeface="+mn-cs"/>
+      </a:defRPr>
+    </a:lvl5pPr>
+    <a:lvl6pPr marL="2286000" algn="l" defTabSz="914400" rtl="0" eaLnBrk="1" latinLnBrk="0" hangingPunct="1">
+      <a:defRPr sz="1200" kern="1200">
+        <a:solidFill>
+          <a:schemeClr val="tx1"/>
+        </a:solidFill>
+        <a:latin typeface="+mn-lt"/>
+        <a:ea typeface="+mn-ea"/>
+        <a:cs typeface="+mn-cs"/>
+      </a:defRPr>
+    </a:lvl6pPr>
+    <a:lvl7pPr marL="2743200" algn="l" defTabSz="914400" rtl="0" eaLnBrk="1" latinLnBrk="0" hangingPunct="1">
+      <a:defRPr sz="1200" kern="1200">
+        <a:solidFill>
+          <a:schemeClr val="tx1"/>
+        </a:solidFill>
+        <a:latin typeface="+mn-lt"/>
+        <a:ea typeface="+mn-ea"/>
+        <a:cs typeface="+mn-cs"/>
+      </a:defRPr>
+    </a:lvl7pPr>
+    <a:lvl8pPr marL="3200400" algn="l" defTabSz="914400" rtl="0" eaLnBrk="1" latinLnBrk="0" hangingPunct="1">
+      <a:defRPr sz="1200" kern="1200">
+        <a:solidFill>
+          <a:schemeClr val="tx1"/>
+        </a:solidFill>
+        <a:latin typeface="+mn-lt"/>
+        <a:ea typeface="+mn-ea"/>
+        <a:cs typeface="+mn-cs"/>
+      </a:defRPr>
+    </a:lvl8pPr>
+    <a:lvl9pPr marL="3657600" algn="l" defTabSz="914400" rtl="0" eaLnBrk="1" latinLnBrk="0" hangingPunct="1">
+      <a:defRPr sz="1200" kern="1200">
+        <a:solidFill>
+          <a:schemeClr val="tx1"/>
+        </a:solidFill>
+        <a:latin typeface="+mn-lt"/>
+        <a:ea typeface="+mn-ea"/>
+        <a:cs typeface="+mn-cs"/>
+      </a:defRPr>
+    </a:lvl9pPr>
+  </p:notesStyle>
+</p:notesMaster>
+</file>
+
+<file path=ppt/notesSlides/notesSlide1.xml><?xml version="1.0" encoding="utf-8"?>
+<p:notes xmlns:a="http://schemas.openxmlformats.org/drawingml/2006/main" xmlns:r="http://schemas.openxmlformats.org/officeDocument/2006/relationships" xmlns:p="http://schemas.openxmlformats.org/presentationml/2006/main">
+  <p:cSld>
+    <p:spTree>
+      <p:nvGrpSpPr>
+        <p:cNvPr id="1" name=""/>
+        <p:cNvGrpSpPr/>
+        <p:nvPr/>
+      </p:nvGrpSpPr>
+      <p:grpSpPr>
+        <a:xfrm>
+          <a:off x="0" y="0"/>
+          <a:ext cx="0" cy="0"/>
+          <a:chOff x="0" y="0"/>
+          <a:chExt cx="0" cy="0"/>
+        </a:xfrm>
+      </p:grpSpPr>
+      <p:sp>
+        <p:nvSpPr>
+          <p:cNvPr id="2" name="Slide Image Placeholder 1"/>
+          <p:cNvSpPr>
+            <a:spLocks noGrp="1" noRot="1" noChangeAspect="1"/>
+          </p:cNvSpPr>
+          <p:nvPr>
+            <p:ph type="sldImg"/>
+          </p:nvPr>
+        </p:nvSpPr>
+        <p:spPr/>
+      </p:sp>
+      <p:sp>
+        <p:nvSpPr>
+          <p:cNvPr id="3" name="Notes Placeholder 2"/>
+          <p:cNvSpPr>
+            <a:spLocks noGrp="1"/>
+          </p:cNvSpPr>
+          <p:nvPr>
+            <p:ph type="body" idx="1"/>
+          </p:nvPr>
+        </p:nvSpPr>
+        <p:spPr/>
+        <p:txBody>
+          <a:bodyPr/>
+          <a:lstStyle/>
+          <a:p>
+            <a:r>
+              <a:rPr lang="en-US"/>
+              <a:t>Explain the capture volume …</a:t>
+            </a:r>
+            <a:r>
+              <a:rPr lang="en-US" baseline="0"/>
+              <a:t> how our approach suits our goals …. We are interested in increasing the axial capture volume … </a:t>
+            </a:r>
+            <a:endParaRPr lang="en-US"/>
+          </a:p>
+        </p:txBody>
+      </p:sp>
+      <p:sp>
+        <p:nvSpPr>
+          <p:cNvPr id="4" name="Slide Number Placeholder 3"/>
+          <p:cNvSpPr>
+            <a:spLocks noGrp="1"/>
+          </p:cNvSpPr>
+          <p:nvPr>
+            <p:ph type="sldNum" sz="quarter" idx="10"/>
+          </p:nvPr>
+        </p:nvSpPr>
+        <p:spPr/>
+        <p:txBody>
+          <a:bodyPr/>
+          <a:lstStyle/>
+          <a:p>
+            <a:fld id="{23DEB827-5557-4703-80E4-45B219C7034D}" type="slidenum">
+              <a:rPr lang="en-US" smtClean="0"/>
+              <a:t>1</a:t>
+            </a:fld>
+            <a:endParaRPr lang="en-US"/>
+          </a:p>
+        </p:txBody>
+      </p:sp>
+    </p:spTree>
+    <p:extLst>
+      <p:ext uri="{BB962C8B-B14F-4D97-AF65-F5344CB8AC3E}">
+        <p14:creationId xmlns:p14="http://schemas.microsoft.com/office/powerpoint/2010/main" val="1208355422"/>
+      </p:ext>
+    </p:extLst>
+  </p:cSld>
+  <p:clrMapOvr>
+    <a:masterClrMapping/>
+  </p:clrMapOvr>
+</p:notes>
+</file>
+
 <file path=ppt/slideLayouts/slideLayout1.xml><?xml version="1.0" encoding="utf-8"?>
 <p:sldLayout xmlns:a="http://schemas.openxmlformats.org/drawingml/2006/main" xmlns:r="http://schemas.openxmlformats.org/officeDocument/2006/relationships" xmlns:p="http://schemas.openxmlformats.org/presentationml/2006/main" type="title" preserve="1">
   <p:cSld name="Title Slide">
@@ -241,7 +714,7 @@
           <a:p>
             <a:fld id="{9D9501FF-ABFD-4A20-9D6D-E502A59752B5}" type="datetimeFigureOut">
               <a:rPr lang="en-US" smtClean="0"/>
-              <a:t>11/18/2016</a:t>
+              <a:t>11/22/2016</a:t>
             </a:fld>
             <a:endParaRPr lang="en-US"/>
           </a:p>
@@ -409,7 +882,7 @@
           <a:p>
             <a:fld id="{9D9501FF-ABFD-4A20-9D6D-E502A59752B5}" type="datetimeFigureOut">
               <a:rPr lang="en-US" smtClean="0"/>
-              <a:t>11/18/2016</a:t>
+              <a:t>11/22/2016</a:t>
             </a:fld>
             <a:endParaRPr lang="en-US"/>
           </a:p>
@@ -587,7 +1060,7 @@
           <a:p>
             <a:fld id="{9D9501FF-ABFD-4A20-9D6D-E502A59752B5}" type="datetimeFigureOut">
               <a:rPr lang="en-US" smtClean="0"/>
-              <a:t>11/18/2016</a:t>
+              <a:t>11/22/2016</a:t>
             </a:fld>
             <a:endParaRPr lang="en-US"/>
           </a:p>
@@ -755,7 +1228,7 @@
           <a:p>
             <a:fld id="{9D9501FF-ABFD-4A20-9D6D-E502A59752B5}" type="datetimeFigureOut">
               <a:rPr lang="en-US" smtClean="0"/>
-              <a:t>11/18/2016</a:t>
+              <a:t>11/22/2016</a:t>
             </a:fld>
             <a:endParaRPr lang="en-US"/>
           </a:p>
@@ -1000,7 +1473,7 @@
           <a:p>
             <a:fld id="{9D9501FF-ABFD-4A20-9D6D-E502A59752B5}" type="datetimeFigureOut">
               <a:rPr lang="en-US" smtClean="0"/>
-              <a:t>11/18/2016</a:t>
+              <a:t>11/22/2016</a:t>
             </a:fld>
             <a:endParaRPr lang="en-US"/>
           </a:p>
@@ -1229,7 +1702,7 @@
           <a:p>
             <a:fld id="{9D9501FF-ABFD-4A20-9D6D-E502A59752B5}" type="datetimeFigureOut">
               <a:rPr lang="en-US" smtClean="0"/>
-              <a:t>11/18/2016</a:t>
+              <a:t>11/22/2016</a:t>
             </a:fld>
             <a:endParaRPr lang="en-US"/>
           </a:p>
@@ -1593,7 +2066,7 @@
           <a:p>
             <a:fld id="{9D9501FF-ABFD-4A20-9D6D-E502A59752B5}" type="datetimeFigureOut">
               <a:rPr lang="en-US" smtClean="0"/>
-              <a:t>11/18/2016</a:t>
+              <a:t>11/22/2016</a:t>
             </a:fld>
             <a:endParaRPr lang="en-US"/>
           </a:p>
@@ -1710,7 +2183,7 @@
           <a:p>
             <a:fld id="{9D9501FF-ABFD-4A20-9D6D-E502A59752B5}" type="datetimeFigureOut">
               <a:rPr lang="en-US" smtClean="0"/>
-              <a:t>11/18/2016</a:t>
+              <a:t>11/22/2016</a:t>
             </a:fld>
             <a:endParaRPr lang="en-US"/>
           </a:p>
@@ -1805,7 +2278,7 @@
           <a:p>
             <a:fld id="{9D9501FF-ABFD-4A20-9D6D-E502A59752B5}" type="datetimeFigureOut">
               <a:rPr lang="en-US" smtClean="0"/>
-              <a:t>11/18/2016</a:t>
+              <a:t>11/22/2016</a:t>
             </a:fld>
             <a:endParaRPr lang="en-US"/>
           </a:p>
@@ -2080,7 +2553,7 @@
           <a:p>
             <a:fld id="{9D9501FF-ABFD-4A20-9D6D-E502A59752B5}" type="datetimeFigureOut">
               <a:rPr lang="en-US" smtClean="0"/>
-              <a:t>11/18/2016</a:t>
+              <a:t>11/22/2016</a:t>
             </a:fld>
             <a:endParaRPr lang="en-US"/>
           </a:p>
@@ -2335,7 +2808,7 @@
           <a:p>
             <a:fld id="{9D9501FF-ABFD-4A20-9D6D-E502A59752B5}" type="datetimeFigureOut">
               <a:rPr lang="en-US" smtClean="0"/>
-              <a:t>11/18/2016</a:t>
+              <a:t>11/22/2016</a:t>
             </a:fld>
             <a:endParaRPr lang="en-US"/>
           </a:p>
@@ -2546,7 +3019,7 @@
           <a:p>
             <a:fld id="{9D9501FF-ABFD-4A20-9D6D-E502A59752B5}" type="datetimeFigureOut">
               <a:rPr lang="en-US" smtClean="0"/>
-              <a:t>11/18/2016</a:t>
+              <a:t>11/22/2016</a:t>
             </a:fld>
             <a:endParaRPr lang="en-US"/>
           </a:p>
@@ -2940,7 +3413,7 @@
     <p:bg>
       <p:bgPr>
         <a:solidFill>
-          <a:srgbClr val="302E30"/>
+          <a:schemeClr val="bg1"/>
         </a:solidFill>
         <a:effectLst/>
       </p:bgPr>
@@ -2959,10 +3432,1719 @@
           <a:chExt cx="0" cy="0"/>
         </a:xfrm>
       </p:grpSpPr>
+      <p:pic>
+        <p:nvPicPr>
+          <p:cNvPr id="9" name="Picture 8"/>
+          <p:cNvPicPr>
+            <a:picLocks noChangeAspect="1"/>
+          </p:cNvPicPr>
+          <p:nvPr/>
+        </p:nvPicPr>
+        <p:blipFill>
+          <a:blip r:embed="rId3" cstate="print">
+            <a:duotone>
+              <a:prstClr val="black"/>
+              <a:schemeClr val="bg1">
+                <a:lumMod val="75000"/>
+                <a:tint val="45000"/>
+                <a:satMod val="400000"/>
+              </a:schemeClr>
+            </a:duotone>
+            <a:extLst>
+              <a:ext uri="{BEBA8EAE-BF5A-486C-A8C5-ECC9F3942E4B}">
+                <a14:imgProps xmlns:a14="http://schemas.microsoft.com/office/drawing/2010/main">
+                  <a14:imgLayer r:embed="rId4">
+                    <a14:imgEffect>
+                      <a14:backgroundRemoval t="0" b="98499" l="6015" r="96241">
+                        <a14:foregroundMark x1="43985" y1="5658" x2="49624" y2="13857"/>
+                        <a14:foregroundMark x1="47368" y1="16975" x2="49624" y2="30023"/>
+                        <a14:foregroundMark x1="60526" y1="24134" x2="53759" y2="37182"/>
+                        <a14:foregroundMark x1="20301" y1="35797" x2="16917" y2="48152"/>
+                        <a14:foregroundMark x1="59398" y1="43995" x2="68421" y2="76674"/>
+                        <a14:foregroundMark x1="14662" y1="51617" x2="15789" y2="56005"/>
+                        <a14:foregroundMark x1="41729" y1="51963" x2="38346" y2="75982"/>
+                        <a14:foregroundMark x1="34962" y1="94804" x2="46241" y2="90993"/>
+                        <a14:foregroundMark x1="69549" y1="95843" x2="77444" y2="93418"/>
+                        <a14:foregroundMark x1="72932" y1="19400" x2="83083" y2="31640"/>
+                        <a14:foregroundMark x1="81955" y1="31986" x2="84211" y2="37875"/>
+                        <a14:foregroundMark x1="74060" y1="20323" x2="79699" y2="21016"/>
+                        <a14:foregroundMark x1="83459" y1="51501" x2="82707" y2="54388"/>
+                        <a14:foregroundMark x1="79699" y1="55081" x2="76692" y2="56351"/>
+                        <a14:foregroundMark x1="91729" y1="36721" x2="91729" y2="40531"/>
+                        <a14:foregroundMark x1="22932" y1="53349" x2="22180" y2="54965"/>
+                        <a14:foregroundMark x1="82331" y1="21709" x2="81955" y2="22171"/>
+                        <a14:foregroundMark x1="42105" y1="17321" x2="39098" y2="18014"/>
+                        <a14:foregroundMark x1="16541" y1="36143" x2="16541" y2="37644"/>
+                        <a14:backgroundMark x1="36090" y1="34296" x2="36090" y2="34296"/>
+                        <a14:backgroundMark x1="74060" y1="37529" x2="74060" y2="37529"/>
+                        <a14:backgroundMark x1="70301" y1="33372" x2="70301" y2="33372"/>
+                        <a14:backgroundMark x1="74060" y1="39607" x2="74060" y2="39607"/>
+                        <a14:backgroundMark x1="74436" y1="41801" x2="74436" y2="41801"/>
+                        <a14:backgroundMark x1="74436" y1="42610" x2="74436" y2="42610"/>
+                      </a14:backgroundRemoval>
+                    </a14:imgEffect>
+                  </a14:imgLayer>
+                </a14:imgProps>
+              </a:ext>
+              <a:ext uri="{28A0092B-C50C-407E-A947-70E740481C1C}">
+                <a14:useLocalDpi xmlns:a14="http://schemas.microsoft.com/office/drawing/2010/main" val="0"/>
+              </a:ext>
+            </a:extLst>
+          </a:blip>
+          <a:stretch>
+            <a:fillRect/>
+          </a:stretch>
+        </p:blipFill>
+        <p:spPr>
+          <a:xfrm flipH="1">
+            <a:off x="4664971" y="2354366"/>
+            <a:ext cx="620889" cy="1857912"/>
+          </a:xfrm>
+          <a:prstGeom prst="rect">
+            <a:avLst/>
+          </a:prstGeom>
+          <a:effectLst>
+            <a:outerShdw blurRad="76200" dir="13500000" sy="23000" kx="1200000" algn="br" rotWithShape="0">
+              <a:prstClr val="black">
+                <a:alpha val="20000"/>
+              </a:prstClr>
+            </a:outerShdw>
+          </a:effectLst>
+        </p:spPr>
+      </p:pic>
+      <p:pic>
+        <p:nvPicPr>
+          <p:cNvPr id="8" name="Picture 7"/>
+          <p:cNvPicPr>
+            <a:picLocks noChangeAspect="1"/>
+          </p:cNvPicPr>
+          <p:nvPr/>
+        </p:nvPicPr>
+        <p:blipFill>
+          <a:blip r:embed="rId3" cstate="print">
+            <a:duotone>
+              <a:prstClr val="black"/>
+              <a:schemeClr val="bg1">
+                <a:lumMod val="75000"/>
+                <a:tint val="45000"/>
+                <a:satMod val="400000"/>
+              </a:schemeClr>
+            </a:duotone>
+            <a:extLst>
+              <a:ext uri="{BEBA8EAE-BF5A-486C-A8C5-ECC9F3942E4B}">
+                <a14:imgProps xmlns:a14="http://schemas.microsoft.com/office/drawing/2010/main">
+                  <a14:imgLayer r:embed="rId4">
+                    <a14:imgEffect>
+                      <a14:backgroundRemoval t="0" b="98499" l="6015" r="96241">
+                        <a14:foregroundMark x1="43985" y1="5658" x2="49624" y2="13857"/>
+                        <a14:foregroundMark x1="47368" y1="16975" x2="49624" y2="30023"/>
+                        <a14:foregroundMark x1="60526" y1="24134" x2="53759" y2="37182"/>
+                        <a14:foregroundMark x1="20301" y1="35797" x2="16917" y2="48152"/>
+                        <a14:foregroundMark x1="59398" y1="43995" x2="68421" y2="76674"/>
+                        <a14:foregroundMark x1="14662" y1="51617" x2="15789" y2="56005"/>
+                        <a14:foregroundMark x1="41729" y1="51963" x2="38346" y2="75982"/>
+                        <a14:foregroundMark x1="34962" y1="94804" x2="46241" y2="90993"/>
+                        <a14:foregroundMark x1="69549" y1="95843" x2="77444" y2="93418"/>
+                        <a14:foregroundMark x1="72932" y1="19400" x2="83083" y2="31640"/>
+                        <a14:foregroundMark x1="81955" y1="31986" x2="84211" y2="37875"/>
+                        <a14:foregroundMark x1="74060" y1="20323" x2="79699" y2="21016"/>
+                        <a14:foregroundMark x1="83459" y1="51501" x2="82707" y2="54388"/>
+                        <a14:foregroundMark x1="79699" y1="55081" x2="76692" y2="56351"/>
+                        <a14:foregroundMark x1="91729" y1="36721" x2="91729" y2="40531"/>
+                        <a14:foregroundMark x1="22932" y1="53349" x2="22180" y2="54965"/>
+                        <a14:foregroundMark x1="82331" y1="21709" x2="81955" y2="22171"/>
+                        <a14:foregroundMark x1="42105" y1="17321" x2="39098" y2="18014"/>
+                        <a14:foregroundMark x1="16541" y1="36143" x2="16541" y2="37644"/>
+                        <a14:backgroundMark x1="36090" y1="34296" x2="36090" y2="34296"/>
+                        <a14:backgroundMark x1="74060" y1="37529" x2="74060" y2="37529"/>
+                        <a14:backgroundMark x1="70301" y1="33372" x2="70301" y2="33372"/>
+                        <a14:backgroundMark x1="74060" y1="39607" x2="74060" y2="39607"/>
+                        <a14:backgroundMark x1="74436" y1="41801" x2="74436" y2="41801"/>
+                        <a14:backgroundMark x1="74436" y1="42610" x2="74436" y2="42610"/>
+                      </a14:backgroundRemoval>
+                    </a14:imgEffect>
+                  </a14:imgLayer>
+                </a14:imgProps>
+              </a:ext>
+              <a:ext uri="{28A0092B-C50C-407E-A947-70E740481C1C}">
+                <a14:useLocalDpi xmlns:a14="http://schemas.microsoft.com/office/drawing/2010/main" val="0"/>
+              </a:ext>
+            </a:extLst>
+          </a:blip>
+          <a:stretch>
+            <a:fillRect/>
+          </a:stretch>
+        </p:blipFill>
+        <p:spPr>
+          <a:xfrm flipH="1">
+            <a:off x="3194391" y="2037813"/>
+            <a:ext cx="620889" cy="1857912"/>
+          </a:xfrm>
+          <a:prstGeom prst="rect">
+            <a:avLst/>
+          </a:prstGeom>
+          <a:effectLst>
+            <a:outerShdw blurRad="76200" dir="13500000" sy="23000" kx="1200000" algn="br" rotWithShape="0">
+              <a:prstClr val="black">
+                <a:alpha val="20000"/>
+              </a:prstClr>
+            </a:outerShdw>
+          </a:effectLst>
+        </p:spPr>
+      </p:pic>
+      <p:pic>
+        <p:nvPicPr>
+          <p:cNvPr id="6" name="Picture 5"/>
+          <p:cNvPicPr>
+            <a:picLocks noChangeAspect="1"/>
+          </p:cNvPicPr>
+          <p:nvPr/>
+        </p:nvPicPr>
+        <p:blipFill>
+          <a:blip r:embed="rId3" cstate="print">
+            <a:duotone>
+              <a:schemeClr val="accent2">
+                <a:shade val="45000"/>
+                <a:satMod val="135000"/>
+              </a:schemeClr>
+              <a:prstClr val="white"/>
+            </a:duotone>
+            <a:extLst>
+              <a:ext uri="{BEBA8EAE-BF5A-486C-A8C5-ECC9F3942E4B}">
+                <a14:imgProps xmlns:a14="http://schemas.microsoft.com/office/drawing/2010/main">
+                  <a14:imgLayer r:embed="rId4">
+                    <a14:imgEffect>
+                      <a14:backgroundRemoval t="0" b="98499" l="6015" r="96241">
+                        <a14:foregroundMark x1="43985" y1="5658" x2="49624" y2="13857"/>
+                        <a14:foregroundMark x1="47368" y1="16975" x2="49624" y2="30023"/>
+                        <a14:foregroundMark x1="60526" y1="24134" x2="53759" y2="37182"/>
+                        <a14:foregroundMark x1="20301" y1="35797" x2="16917" y2="48152"/>
+                        <a14:foregroundMark x1="59398" y1="43995" x2="68421" y2="76674"/>
+                        <a14:foregroundMark x1="14662" y1="51617" x2="15789" y2="56005"/>
+                        <a14:foregroundMark x1="41729" y1="51963" x2="38346" y2="75982"/>
+                        <a14:foregroundMark x1="34962" y1="94804" x2="46241" y2="90993"/>
+                        <a14:foregroundMark x1="69549" y1="95843" x2="77444" y2="93418"/>
+                        <a14:foregroundMark x1="72932" y1="19400" x2="83083" y2="31640"/>
+                        <a14:foregroundMark x1="81955" y1="31986" x2="84211" y2="37875"/>
+                        <a14:foregroundMark x1="74060" y1="20323" x2="79699" y2="21016"/>
+                        <a14:foregroundMark x1="83459" y1="51501" x2="82707" y2="54388"/>
+                        <a14:foregroundMark x1="79699" y1="55081" x2="76692" y2="56351"/>
+                        <a14:foregroundMark x1="91729" y1="36721" x2="91729" y2="40531"/>
+                        <a14:foregroundMark x1="22932" y1="53349" x2="22180" y2="54965"/>
+                        <a14:foregroundMark x1="82331" y1="21709" x2="81955" y2="22171"/>
+                        <a14:foregroundMark x1="42105" y1="17321" x2="39098" y2="18014"/>
+                        <a14:foregroundMark x1="16541" y1="36143" x2="16541" y2="37644"/>
+                        <a14:backgroundMark x1="36090" y1="34296" x2="36090" y2="34296"/>
+                        <a14:backgroundMark x1="74060" y1="37529" x2="74060" y2="37529"/>
+                        <a14:backgroundMark x1="70301" y1="33372" x2="70301" y2="33372"/>
+                        <a14:backgroundMark x1="74060" y1="39607" x2="74060" y2="39607"/>
+                        <a14:backgroundMark x1="74436" y1="41801" x2="74436" y2="41801"/>
+                        <a14:backgroundMark x1="74436" y1="42610" x2="74436" y2="42610"/>
+                      </a14:backgroundRemoval>
+                    </a14:imgEffect>
+                  </a14:imgLayer>
+                </a14:imgProps>
+              </a:ext>
+              <a:ext uri="{28A0092B-C50C-407E-A947-70E740481C1C}">
+                <a14:useLocalDpi xmlns:a14="http://schemas.microsoft.com/office/drawing/2010/main" val="0"/>
+              </a:ext>
+            </a:extLst>
+          </a:blip>
+          <a:stretch>
+            <a:fillRect/>
+          </a:stretch>
+        </p:blipFill>
+        <p:spPr>
+          <a:xfrm flipH="1">
+            <a:off x="2312354" y="2152113"/>
+            <a:ext cx="672564" cy="2012540"/>
+          </a:xfrm>
+          <a:prstGeom prst="rect">
+            <a:avLst/>
+          </a:prstGeom>
+          <a:effectLst>
+            <a:outerShdw blurRad="76200" dir="13500000" sy="23000" kx="1200000" algn="br" rotWithShape="0">
+              <a:prstClr val="black">
+                <a:alpha val="20000"/>
+              </a:prstClr>
+            </a:outerShdw>
+          </a:effectLst>
+        </p:spPr>
+      </p:pic>
+      <p:pic>
+        <p:nvPicPr>
+          <p:cNvPr id="3" name="Picture 2"/>
+          <p:cNvPicPr>
+            <a:picLocks noChangeAspect="1"/>
+          </p:cNvPicPr>
+          <p:nvPr/>
+        </p:nvPicPr>
+        <p:blipFill>
+          <a:blip r:embed="rId3" cstate="print">
+            <a:extLst>
+              <a:ext uri="{BEBA8EAE-BF5A-486C-A8C5-ECC9F3942E4B}">
+                <a14:imgProps xmlns:a14="http://schemas.microsoft.com/office/drawing/2010/main">
+                  <a14:imgLayer r:embed="rId4">
+                    <a14:imgEffect>
+                      <a14:backgroundRemoval t="0" b="98499" l="6015" r="96241">
+                        <a14:foregroundMark x1="43985" y1="5658" x2="49624" y2="13857"/>
+                        <a14:foregroundMark x1="47368" y1="16975" x2="49624" y2="30023"/>
+                        <a14:foregroundMark x1="60526" y1="24134" x2="53759" y2="37182"/>
+                        <a14:foregroundMark x1="20301" y1="35797" x2="16917" y2="48152"/>
+                        <a14:foregroundMark x1="59398" y1="43995" x2="68421" y2="76674"/>
+                        <a14:foregroundMark x1="14662" y1="51617" x2="15789" y2="56005"/>
+                        <a14:foregroundMark x1="41729" y1="51963" x2="38346" y2="75982"/>
+                        <a14:foregroundMark x1="34962" y1="94804" x2="46241" y2="90993"/>
+                        <a14:foregroundMark x1="69549" y1="95843" x2="77444" y2="93418"/>
+                        <a14:foregroundMark x1="72932" y1="19400" x2="83083" y2="31640"/>
+                        <a14:foregroundMark x1="81955" y1="31986" x2="84211" y2="37875"/>
+                        <a14:foregroundMark x1="74060" y1="20323" x2="79699" y2="21016"/>
+                        <a14:foregroundMark x1="83459" y1="51501" x2="82707" y2="54388"/>
+                        <a14:foregroundMark x1="79699" y1="55081" x2="76692" y2="56351"/>
+                        <a14:foregroundMark x1="91729" y1="36721" x2="91729" y2="40531"/>
+                        <a14:foregroundMark x1="22932" y1="53349" x2="22180" y2="54965"/>
+                        <a14:foregroundMark x1="82331" y1="21709" x2="81955" y2="22171"/>
+                        <a14:foregroundMark x1="42105" y1="17321" x2="39098" y2="18014"/>
+                        <a14:foregroundMark x1="16541" y1="36143" x2="16541" y2="37644"/>
+                        <a14:backgroundMark x1="36090" y1="34296" x2="36090" y2="34296"/>
+                        <a14:backgroundMark x1="74060" y1="37529" x2="74060" y2="37529"/>
+                        <a14:backgroundMark x1="70301" y1="33372" x2="70301" y2="33372"/>
+                        <a14:backgroundMark x1="74060" y1="39607" x2="74060" y2="39607"/>
+                        <a14:backgroundMark x1="74436" y1="41801" x2="74436" y2="41801"/>
+                        <a14:backgroundMark x1="74436" y1="42610" x2="74436" y2="42610"/>
+                      </a14:backgroundRemoval>
+                    </a14:imgEffect>
+                  </a14:imgLayer>
+                </a14:imgProps>
+              </a:ext>
+              <a:ext uri="{28A0092B-C50C-407E-A947-70E740481C1C}">
+                <a14:useLocalDpi xmlns:a14="http://schemas.microsoft.com/office/drawing/2010/main" val="0"/>
+              </a:ext>
+            </a:extLst>
+          </a:blip>
+          <a:stretch>
+            <a:fillRect/>
+          </a:stretch>
+        </p:blipFill>
+        <p:spPr>
+          <a:xfrm flipH="1">
+            <a:off x="1998046" y="2650125"/>
+            <a:ext cx="693335" cy="2074694"/>
+          </a:xfrm>
+          <a:prstGeom prst="rect">
+            <a:avLst/>
+          </a:prstGeom>
+          <a:effectLst>
+            <a:outerShdw blurRad="76200" dir="13500000" sy="23000" kx="1200000" algn="br" rotWithShape="0">
+              <a:prstClr val="black">
+                <a:alpha val="20000"/>
+              </a:prstClr>
+            </a:outerShdw>
+          </a:effectLst>
+        </p:spPr>
+      </p:pic>
+      <p:pic>
+        <p:nvPicPr>
+          <p:cNvPr id="7" name="Picture 6"/>
+          <p:cNvPicPr>
+            <a:picLocks noChangeAspect="1"/>
+          </p:cNvPicPr>
+          <p:nvPr/>
+        </p:nvPicPr>
+        <p:blipFill>
+          <a:blip r:embed="rId5" cstate="print">
+            <a:duotone>
+              <a:prstClr val="black"/>
+              <a:schemeClr val="accent4">
+                <a:lumMod val="75000"/>
+                <a:tint val="45000"/>
+                <a:satMod val="400000"/>
+              </a:schemeClr>
+            </a:duotone>
+            <a:extLst>
+              <a:ext uri="{BEBA8EAE-BF5A-486C-A8C5-ECC9F3942E4B}">
+                <a14:imgProps xmlns:a14="http://schemas.microsoft.com/office/drawing/2010/main">
+                  <a14:imgLayer r:embed="rId4">
+                    <a14:imgEffect>
+                      <a14:backgroundRemoval t="0" b="98499" l="6015" r="96241">
+                        <a14:foregroundMark x1="43985" y1="5658" x2="49624" y2="13857"/>
+                        <a14:foregroundMark x1="47368" y1="16975" x2="49624" y2="30023"/>
+                        <a14:foregroundMark x1="60526" y1="24134" x2="53759" y2="37182"/>
+                        <a14:foregroundMark x1="20301" y1="35797" x2="16917" y2="48152"/>
+                        <a14:foregroundMark x1="59398" y1="43995" x2="68421" y2="76674"/>
+                        <a14:foregroundMark x1="14662" y1="51617" x2="15789" y2="56005"/>
+                        <a14:foregroundMark x1="41729" y1="51963" x2="38346" y2="75982"/>
+                        <a14:foregroundMark x1="34962" y1="94804" x2="46241" y2="90993"/>
+                        <a14:foregroundMark x1="69549" y1="95843" x2="77444" y2="93418"/>
+                        <a14:foregroundMark x1="72932" y1="19400" x2="83083" y2="31640"/>
+                        <a14:foregroundMark x1="81955" y1="31986" x2="84211" y2="37875"/>
+                        <a14:foregroundMark x1="74060" y1="20323" x2="79699" y2="21016"/>
+                        <a14:foregroundMark x1="83459" y1="51501" x2="82707" y2="54388"/>
+                        <a14:foregroundMark x1="79699" y1="55081" x2="76692" y2="56351"/>
+                        <a14:foregroundMark x1="91729" y1="36721" x2="91729" y2="40531"/>
+                        <a14:foregroundMark x1="22932" y1="53349" x2="22180" y2="54965"/>
+                        <a14:foregroundMark x1="82331" y1="21709" x2="81955" y2="22171"/>
+                        <a14:foregroundMark x1="42105" y1="17321" x2="39098" y2="18014"/>
+                        <a14:foregroundMark x1="16541" y1="36143" x2="16541" y2="37644"/>
+                        <a14:foregroundMark x1="77863" y1="54315" x2="77863" y2="54315"/>
+                        <a14:backgroundMark x1="36090" y1="34296" x2="36090" y2="34296"/>
+                        <a14:backgroundMark x1="74060" y1="37529" x2="74060" y2="37529"/>
+                        <a14:backgroundMark x1="70301" y1="33372" x2="70301" y2="33372"/>
+                        <a14:backgroundMark x1="74060" y1="39607" x2="74060" y2="39607"/>
+                        <a14:backgroundMark x1="74436" y1="41801" x2="74436" y2="41801"/>
+                        <a14:backgroundMark x1="74436" y1="42610" x2="74436" y2="42610"/>
+                        <a14:backgroundMark x1="74809" y1="48731" x2="74809" y2="48731"/>
+                        <a14:backgroundMark x1="25954" y1="48985" x2="25954" y2="48985"/>
+                        <a14:backgroundMark x1="25954" y1="53553" x2="25954" y2="53553"/>
+                        <a14:backgroundMark x1="74046" y1="53046" x2="74046" y2="53046"/>
+                        <a14:backgroundMark x1="74046" y1="57868" x2="74046" y2="57868"/>
+                        <a14:backgroundMark x1="74046" y1="56345" x2="74046" y2="56345"/>
+                        <a14:backgroundMark x1="70992" y1="30203" x2="70992" y2="30203"/>
+                      </a14:backgroundRemoval>
+                    </a14:imgEffect>
+                  </a14:imgLayer>
+                </a14:imgProps>
+              </a:ext>
+              <a:ext uri="{28A0092B-C50C-407E-A947-70E740481C1C}">
+                <a14:useLocalDpi xmlns:a14="http://schemas.microsoft.com/office/drawing/2010/main" val="0"/>
+              </a:ext>
+            </a:extLst>
+          </a:blip>
+          <a:stretch>
+            <a:fillRect/>
+          </a:stretch>
+        </p:blipFill>
+        <p:spPr>
+          <a:xfrm flipH="1">
+            <a:off x="3749618" y="2489624"/>
+            <a:ext cx="693335" cy="2074694"/>
+          </a:xfrm>
+          <a:prstGeom prst="rect">
+            <a:avLst/>
+          </a:prstGeom>
+          <a:effectLst>
+            <a:outerShdw blurRad="76200" dir="13500000" sy="23000" kx="1200000" algn="br" rotWithShape="0">
+              <a:prstClr val="black">
+                <a:alpha val="20000"/>
+              </a:prstClr>
+            </a:outerShdw>
+          </a:effectLst>
+        </p:spPr>
+      </p:pic>
+      <p:sp>
+        <p:nvSpPr>
+          <p:cNvPr id="2" name="Cube 1"/>
+          <p:cNvSpPr/>
+          <p:nvPr/>
+        </p:nvSpPr>
+        <p:spPr>
+          <a:xfrm>
+            <a:off x="1615155" y="2029764"/>
+            <a:ext cx="4161802" cy="1037522"/>
+          </a:xfrm>
+          <a:prstGeom prst="cube">
+            <a:avLst>
+              <a:gd name="adj" fmla="val 46083"/>
+            </a:avLst>
+          </a:prstGeom>
+          <a:solidFill>
+            <a:schemeClr val="tx1">
+              <a:alpha val="36000"/>
+            </a:schemeClr>
+          </a:solidFill>
+          <a:ln>
+            <a:solidFill>
+              <a:schemeClr val="tx1">
+                <a:alpha val="23000"/>
+              </a:schemeClr>
+            </a:solidFill>
+          </a:ln>
+        </p:spPr>
+        <p:style>
+          <a:lnRef idx="2">
+            <a:schemeClr val="accent1">
+              <a:shade val="50000"/>
+            </a:schemeClr>
+          </a:lnRef>
+          <a:fillRef idx="1">
+            <a:schemeClr val="accent1"/>
+          </a:fillRef>
+          <a:effectRef idx="0">
+            <a:schemeClr val="accent1"/>
+          </a:effectRef>
+          <a:fontRef idx="minor">
+            <a:schemeClr val="lt1"/>
+          </a:fontRef>
+        </p:style>
+        <p:txBody>
+          <a:bodyPr rtlCol="0" anchor="ctr"/>
+          <a:lstStyle/>
+          <a:p>
+            <a:pPr algn="ctr"/>
+            <a:endParaRPr lang="en-US"/>
+          </a:p>
+        </p:txBody>
+      </p:sp>
+      <p:cxnSp>
+        <p:nvCxnSpPr>
+          <p:cNvPr id="17" name="Straight Connector 16"/>
+          <p:cNvCxnSpPr/>
+          <p:nvPr/>
+        </p:nvCxnSpPr>
+        <p:spPr>
+          <a:xfrm>
+            <a:off x="1615154" y="2508674"/>
+            <a:ext cx="1" cy="558612"/>
+          </a:xfrm>
+          <a:prstGeom prst="line">
+            <a:avLst/>
+          </a:prstGeom>
+          <a:ln>
+            <a:solidFill>
+              <a:schemeClr val="tx1"/>
+            </a:solidFill>
+          </a:ln>
+        </p:spPr>
+        <p:style>
+          <a:lnRef idx="1">
+            <a:schemeClr val="accent1"/>
+          </a:lnRef>
+          <a:fillRef idx="0">
+            <a:schemeClr val="accent1"/>
+          </a:fillRef>
+          <a:effectRef idx="0">
+            <a:schemeClr val="accent1"/>
+          </a:effectRef>
+          <a:fontRef idx="minor">
+            <a:schemeClr val="tx1"/>
+          </a:fontRef>
+        </p:style>
+      </p:cxnSp>
+      <p:cxnSp>
+        <p:nvCxnSpPr>
+          <p:cNvPr id="19" name="Straight Connector 18"/>
+          <p:cNvCxnSpPr/>
+          <p:nvPr/>
+        </p:nvCxnSpPr>
+        <p:spPr>
+          <a:xfrm flipV="1">
+            <a:off x="1615154" y="2028290"/>
+            <a:ext cx="475182" cy="480384"/>
+          </a:xfrm>
+          <a:prstGeom prst="line">
+            <a:avLst/>
+          </a:prstGeom>
+          <a:ln>
+            <a:solidFill>
+              <a:schemeClr val="tx1"/>
+            </a:solidFill>
+          </a:ln>
+        </p:spPr>
+        <p:style>
+          <a:lnRef idx="1">
+            <a:schemeClr val="accent1"/>
+          </a:lnRef>
+          <a:fillRef idx="0">
+            <a:schemeClr val="accent1"/>
+          </a:fillRef>
+          <a:effectRef idx="0">
+            <a:schemeClr val="accent1"/>
+          </a:effectRef>
+          <a:fontRef idx="minor">
+            <a:schemeClr val="tx1"/>
+          </a:fontRef>
+        </p:style>
+      </p:cxnSp>
+      <p:cxnSp>
+        <p:nvCxnSpPr>
+          <p:cNvPr id="21" name="Straight Connector 20"/>
+          <p:cNvCxnSpPr/>
+          <p:nvPr/>
+        </p:nvCxnSpPr>
+        <p:spPr>
+          <a:xfrm>
+            <a:off x="1619919" y="2508674"/>
+            <a:ext cx="3670705" cy="0"/>
+          </a:xfrm>
+          <a:prstGeom prst="line">
+            <a:avLst/>
+          </a:prstGeom>
+          <a:ln>
+            <a:solidFill>
+              <a:schemeClr val="tx1"/>
+            </a:solidFill>
+          </a:ln>
+        </p:spPr>
+        <p:style>
+          <a:lnRef idx="1">
+            <a:schemeClr val="accent1"/>
+          </a:lnRef>
+          <a:fillRef idx="0">
+            <a:schemeClr val="accent1"/>
+          </a:fillRef>
+          <a:effectRef idx="0">
+            <a:schemeClr val="accent1"/>
+          </a:effectRef>
+          <a:fontRef idx="minor">
+            <a:schemeClr val="tx1"/>
+          </a:fontRef>
+        </p:style>
+      </p:cxnSp>
+      <p:sp>
+        <p:nvSpPr>
+          <p:cNvPr id="26" name="TextBox 25"/>
+          <p:cNvSpPr txBox="1"/>
+          <p:nvPr/>
+        </p:nvSpPr>
+        <p:spPr>
+          <a:xfrm>
+            <a:off x="3532830" y="1561681"/>
+            <a:ext cx="282450" cy="369332"/>
+          </a:xfrm>
+          <a:prstGeom prst="rect">
+            <a:avLst/>
+          </a:prstGeom>
+          <a:noFill/>
+        </p:spPr>
+        <p:txBody>
+          <a:bodyPr wrap="none" rtlCol="0">
+            <a:spAutoFit/>
+          </a:bodyPr>
+          <a:lstStyle/>
+          <a:p>
+            <a:r>
+              <a:rPr lang="en-US"/>
+              <a:t>L</a:t>
+            </a:r>
+          </a:p>
+        </p:txBody>
+      </p:sp>
+      <p:sp>
+        <p:nvSpPr>
+          <p:cNvPr id="27" name="TextBox 26"/>
+          <p:cNvSpPr txBox="1"/>
+          <p:nvPr/>
+        </p:nvSpPr>
+        <p:spPr>
+          <a:xfrm>
+            <a:off x="1191479" y="2611985"/>
+            <a:ext cx="328936" cy="369332"/>
+          </a:xfrm>
+          <a:prstGeom prst="rect">
+            <a:avLst/>
+          </a:prstGeom>
+          <a:noFill/>
+        </p:spPr>
+        <p:txBody>
+          <a:bodyPr wrap="none" rtlCol="0">
+            <a:spAutoFit/>
+          </a:bodyPr>
+          <a:lstStyle/>
+          <a:p>
+            <a:r>
+              <a:rPr lang="en-US"/>
+              <a:t>H</a:t>
+            </a:r>
+          </a:p>
+        </p:txBody>
+      </p:sp>
+      <p:sp>
+        <p:nvSpPr>
+          <p:cNvPr id="28" name="TextBox 27"/>
+          <p:cNvSpPr txBox="1"/>
+          <p:nvPr/>
+        </p:nvSpPr>
+        <p:spPr>
+          <a:xfrm>
+            <a:off x="1554095" y="1894162"/>
+            <a:ext cx="389850" cy="369332"/>
+          </a:xfrm>
+          <a:prstGeom prst="rect">
+            <a:avLst/>
+          </a:prstGeom>
+          <a:noFill/>
+        </p:spPr>
+        <p:txBody>
+          <a:bodyPr wrap="none" rtlCol="0">
+            <a:spAutoFit/>
+          </a:bodyPr>
+          <a:lstStyle/>
+          <a:p>
+            <a:r>
+              <a:rPr lang="en-US"/>
+              <a:t>W</a:t>
+            </a:r>
+          </a:p>
+        </p:txBody>
+      </p:sp>
+      <p:grpSp>
+        <p:nvGrpSpPr>
+          <p:cNvPr id="4" name="Group 3"/>
+          <p:cNvGrpSpPr/>
+          <p:nvPr/>
+        </p:nvGrpSpPr>
+        <p:grpSpPr>
+          <a:xfrm>
+            <a:off x="9585812" y="1839540"/>
+            <a:ext cx="2020033" cy="1544889"/>
+            <a:chOff x="6772274" y="1028700"/>
+            <a:chExt cx="2020033" cy="1544889"/>
+          </a:xfrm>
+        </p:grpSpPr>
+        <mc:AlternateContent xmlns:mc="http://schemas.openxmlformats.org/markup-compatibility/2006" xmlns:p14="http://schemas.microsoft.com/office/powerpoint/2010/main">
+          <mc:Choice Requires="p14">
+            <p:contentPart p14:bwMode="auto" r:id="rId6">
+              <p14:nvContentPartPr>
+                <p14:cNvPr id="40" name="Ink 39"/>
+                <p14:cNvContentPartPr/>
+                <p14:nvPr/>
+              </p14:nvContentPartPr>
+              <p14:xfrm>
+                <a:off x="8328069" y="1671599"/>
+                <a:ext cx="391047" cy="290113"/>
+              </p14:xfrm>
+            </p:contentPart>
+          </mc:Choice>
+          <mc:Fallback xmlns="">
+            <p:pic>
+              <p:nvPicPr>
+                <p:cNvPr id="40" name="Ink 39"/>
+                <p:cNvPicPr/>
+                <p:nvPr/>
+              </p:nvPicPr>
+              <p:blipFill>
+                <a:blip r:embed="rId7"/>
+                <a:stretch>
+                  <a:fillRect/>
+                </a:stretch>
+              </p:blipFill>
+              <p:spPr>
+                <a:xfrm>
+                  <a:off x="8316186" y="1656141"/>
+                  <a:ext cx="419133" cy="321749"/>
+                </a:xfrm>
+                <a:prstGeom prst="rect">
+                  <a:avLst/>
+                </a:prstGeom>
+              </p:spPr>
+            </p:pic>
+          </mc:Fallback>
+        </mc:AlternateContent>
+        <p:grpSp>
+          <p:nvGrpSpPr>
+            <p:cNvPr id="41" name="Group 40"/>
+            <p:cNvGrpSpPr/>
+            <p:nvPr/>
+          </p:nvGrpSpPr>
+          <p:grpSpPr>
+            <a:xfrm rot="21148218" flipH="1">
+              <a:off x="6772274" y="1028700"/>
+              <a:ext cx="1698079" cy="789469"/>
+              <a:chOff x="7327900" y="1028700"/>
+              <a:chExt cx="2930524" cy="1362456"/>
+            </a:xfrm>
+          </p:grpSpPr>
+          <p:sp>
+            <p:nvSpPr>
+              <p:cNvPr id="42" name="Freeform: Shape 41"/>
+              <p:cNvSpPr/>
+              <p:nvPr/>
+            </p:nvSpPr>
+            <p:spPr>
+              <a:xfrm>
+                <a:off x="7327900" y="1028700"/>
+                <a:ext cx="2286000" cy="1362456"/>
+              </a:xfrm>
+              <a:custGeom>
+                <a:avLst/>
+                <a:gdLst>
+                  <a:gd name="connsiteX0" fmla="*/ 228594 w 2870200"/>
+                  <a:gd name="connsiteY0" fmla="*/ 0 h 1362456"/>
+                  <a:gd name="connsiteX1" fmla="*/ 901700 w 2870200"/>
+                  <a:gd name="connsiteY1" fmla="*/ 0 h 1362456"/>
+                  <a:gd name="connsiteX2" fmla="*/ 2565406 w 2870200"/>
+                  <a:gd name="connsiteY2" fmla="*/ 0 h 1362456"/>
+                  <a:gd name="connsiteX3" fmla="*/ 2870200 w 2870200"/>
+                  <a:gd name="connsiteY3" fmla="*/ 0 h 1362456"/>
+                  <a:gd name="connsiteX4" fmla="*/ 2870200 w 2870200"/>
+                  <a:gd name="connsiteY4" fmla="*/ 1362456 h 1362456"/>
+                  <a:gd name="connsiteX5" fmla="*/ 901700 w 2870200"/>
+                  <a:gd name="connsiteY5" fmla="*/ 1362456 h 1362456"/>
+                  <a:gd name="connsiteX6" fmla="*/ 901700 w 2870200"/>
+                  <a:gd name="connsiteY6" fmla="*/ 1358900 h 1362456"/>
+                  <a:gd name="connsiteX7" fmla="*/ 228594 w 2870200"/>
+                  <a:gd name="connsiteY7" fmla="*/ 1358900 h 1362456"/>
+                  <a:gd name="connsiteX8" fmla="*/ 0 w 2870200"/>
+                  <a:gd name="connsiteY8" fmla="*/ 1130306 h 1362456"/>
+                  <a:gd name="connsiteX9" fmla="*/ 0 w 2870200"/>
+                  <a:gd name="connsiteY9" fmla="*/ 228594 h 1362456"/>
+                  <a:gd name="connsiteX10" fmla="*/ 228594 w 2870200"/>
+                  <a:gd name="connsiteY10" fmla="*/ 0 h 1362456"/>
+                </a:gdLst>
+                <a:ahLst/>
+                <a:cxnLst>
+                  <a:cxn ang="0">
+                    <a:pos x="connsiteX0" y="connsiteY0"/>
+                  </a:cxn>
+                  <a:cxn ang="0">
+                    <a:pos x="connsiteX1" y="connsiteY1"/>
+                  </a:cxn>
+                  <a:cxn ang="0">
+                    <a:pos x="connsiteX2" y="connsiteY2"/>
+                  </a:cxn>
+                  <a:cxn ang="0">
+                    <a:pos x="connsiteX3" y="connsiteY3"/>
+                  </a:cxn>
+                  <a:cxn ang="0">
+                    <a:pos x="connsiteX4" y="connsiteY4"/>
+                  </a:cxn>
+                  <a:cxn ang="0">
+                    <a:pos x="connsiteX5" y="connsiteY5"/>
+                  </a:cxn>
+                  <a:cxn ang="0">
+                    <a:pos x="connsiteX6" y="connsiteY6"/>
+                  </a:cxn>
+                  <a:cxn ang="0">
+                    <a:pos x="connsiteX7" y="connsiteY7"/>
+                  </a:cxn>
+                  <a:cxn ang="0">
+                    <a:pos x="connsiteX8" y="connsiteY8"/>
+                  </a:cxn>
+                  <a:cxn ang="0">
+                    <a:pos x="connsiteX9" y="connsiteY9"/>
+                  </a:cxn>
+                  <a:cxn ang="0">
+                    <a:pos x="connsiteX10" y="connsiteY10"/>
+                  </a:cxn>
+                </a:cxnLst>
+                <a:rect l="l" t="t" r="r" b="b"/>
+                <a:pathLst>
+                  <a:path w="2870200" h="1362456">
+                    <a:moveTo>
+                      <a:pt x="228594" y="0"/>
+                    </a:moveTo>
+                    <a:lnTo>
+                      <a:pt x="901700" y="0"/>
+                    </a:lnTo>
+                    <a:lnTo>
+                      <a:pt x="2565406" y="0"/>
+                    </a:lnTo>
+                    <a:lnTo>
+                      <a:pt x="2870200" y="0"/>
+                    </a:lnTo>
+                    <a:lnTo>
+                      <a:pt x="2870200" y="1362456"/>
+                    </a:lnTo>
+                    <a:lnTo>
+                      <a:pt x="901700" y="1362456"/>
+                    </a:lnTo>
+                    <a:lnTo>
+                      <a:pt x="901700" y="1358900"/>
+                    </a:lnTo>
+                    <a:lnTo>
+                      <a:pt x="228594" y="1358900"/>
+                    </a:lnTo>
+                    <a:cubicBezTo>
+                      <a:pt x="102345" y="1358900"/>
+                      <a:pt x="0" y="1256555"/>
+                      <a:pt x="0" y="1130306"/>
+                    </a:cubicBezTo>
+                    <a:lnTo>
+                      <a:pt x="0" y="228594"/>
+                    </a:lnTo>
+                    <a:cubicBezTo>
+                      <a:pt x="0" y="102345"/>
+                      <a:pt x="102345" y="0"/>
+                      <a:pt x="228594" y="0"/>
+                    </a:cubicBezTo>
+                    <a:close/>
+                  </a:path>
+                </a:pathLst>
+              </a:custGeom>
+              <a:solidFill>
+                <a:schemeClr val="bg1">
+                  <a:lumMod val="75000"/>
+                </a:schemeClr>
+              </a:solidFill>
+              <a:ln>
+                <a:noFill/>
+              </a:ln>
+            </p:spPr>
+            <p:style>
+              <a:lnRef idx="2">
+                <a:schemeClr val="accent1">
+                  <a:shade val="50000"/>
+                </a:schemeClr>
+              </a:lnRef>
+              <a:fillRef idx="1">
+                <a:schemeClr val="accent1"/>
+              </a:fillRef>
+              <a:effectRef idx="0">
+                <a:schemeClr val="accent1"/>
+              </a:effectRef>
+              <a:fontRef idx="minor">
+                <a:schemeClr val="lt1"/>
+              </a:fontRef>
+            </p:style>
+            <p:txBody>
+              <a:bodyPr rtlCol="0" anchor="ctr"/>
+              <a:lstStyle/>
+              <a:p>
+                <a:pPr algn="ctr"/>
+                <a:endParaRPr lang="en-US"/>
+              </a:p>
+            </p:txBody>
+          </p:sp>
+          <p:sp>
+            <p:nvSpPr>
+              <p:cNvPr id="43" name="Rectangle 42"/>
+              <p:cNvSpPr/>
+              <p:nvPr/>
+            </p:nvSpPr>
+            <p:spPr>
+              <a:xfrm>
+                <a:off x="9613900" y="1240028"/>
+                <a:ext cx="241300" cy="939800"/>
+              </a:xfrm>
+              <a:prstGeom prst="rect">
+                <a:avLst/>
+              </a:prstGeom>
+              <a:solidFill>
+                <a:schemeClr val="bg1">
+                  <a:lumMod val="65000"/>
+                </a:schemeClr>
+              </a:solidFill>
+              <a:ln>
+                <a:noFill/>
+              </a:ln>
+            </p:spPr>
+            <p:style>
+              <a:lnRef idx="2">
+                <a:schemeClr val="accent1">
+                  <a:shade val="50000"/>
+                </a:schemeClr>
+              </a:lnRef>
+              <a:fillRef idx="1">
+                <a:schemeClr val="accent1"/>
+              </a:fillRef>
+              <a:effectRef idx="0">
+                <a:schemeClr val="accent1"/>
+              </a:effectRef>
+              <a:fontRef idx="minor">
+                <a:schemeClr val="lt1"/>
+              </a:fontRef>
+            </p:style>
+            <p:txBody>
+              <a:bodyPr rtlCol="0" anchor="ctr"/>
+              <a:lstStyle/>
+              <a:p>
+                <a:pPr algn="ctr"/>
+                <a:endParaRPr lang="en-US"/>
+              </a:p>
+            </p:txBody>
+          </p:sp>
+          <p:sp>
+            <p:nvSpPr>
+              <p:cNvPr id="44" name="Rectangle 43"/>
+              <p:cNvSpPr/>
+              <p:nvPr/>
+            </p:nvSpPr>
+            <p:spPr>
+              <a:xfrm>
+                <a:off x="9855199" y="1338453"/>
+                <a:ext cx="403225" cy="742950"/>
+              </a:xfrm>
+              <a:prstGeom prst="rect">
+                <a:avLst/>
+              </a:prstGeom>
+              <a:solidFill>
+                <a:srgbClr val="4C4C4E"/>
+              </a:solidFill>
+              <a:ln>
+                <a:noFill/>
+              </a:ln>
+            </p:spPr>
+            <p:style>
+              <a:lnRef idx="2">
+                <a:schemeClr val="accent1">
+                  <a:shade val="50000"/>
+                </a:schemeClr>
+              </a:lnRef>
+              <a:fillRef idx="1">
+                <a:schemeClr val="accent1"/>
+              </a:fillRef>
+              <a:effectRef idx="0">
+                <a:schemeClr val="accent1"/>
+              </a:effectRef>
+              <a:fontRef idx="minor">
+                <a:schemeClr val="lt1"/>
+              </a:fontRef>
+            </p:style>
+            <p:txBody>
+              <a:bodyPr rtlCol="0" anchor="ctr"/>
+              <a:lstStyle/>
+              <a:p>
+                <a:pPr algn="ctr"/>
+                <a:endParaRPr lang="en-US"/>
+              </a:p>
+            </p:txBody>
+          </p:sp>
+          <p:sp>
+            <p:nvSpPr>
+              <p:cNvPr id="45" name="Rectangle: Rounded Corners 44"/>
+              <p:cNvSpPr/>
+              <p:nvPr/>
+            </p:nvSpPr>
+            <p:spPr>
+              <a:xfrm>
+                <a:off x="7553326" y="1243204"/>
+                <a:ext cx="892175" cy="117477"/>
+              </a:xfrm>
+              <a:prstGeom prst="roundRect">
+                <a:avLst>
+                  <a:gd name="adj" fmla="val 46454"/>
+                </a:avLst>
+              </a:prstGeom>
+              <a:solidFill>
+                <a:schemeClr val="bg1">
+                  <a:lumMod val="65000"/>
+                </a:schemeClr>
+              </a:solidFill>
+              <a:ln>
+                <a:solidFill>
+                  <a:schemeClr val="tx1">
+                    <a:lumMod val="50000"/>
+                    <a:lumOff val="50000"/>
+                  </a:schemeClr>
+                </a:solidFill>
+              </a:ln>
+            </p:spPr>
+            <p:style>
+              <a:lnRef idx="2">
+                <a:schemeClr val="accent1">
+                  <a:shade val="50000"/>
+                </a:schemeClr>
+              </a:lnRef>
+              <a:fillRef idx="1">
+                <a:schemeClr val="accent1"/>
+              </a:fillRef>
+              <a:effectRef idx="0">
+                <a:schemeClr val="accent1"/>
+              </a:effectRef>
+              <a:fontRef idx="minor">
+                <a:schemeClr val="lt1"/>
+              </a:fontRef>
+            </p:style>
+            <p:txBody>
+              <a:bodyPr rtlCol="0" anchor="ctr"/>
+              <a:lstStyle/>
+              <a:p>
+                <a:pPr algn="ctr"/>
+                <a:endParaRPr lang="en-US"/>
+              </a:p>
+            </p:txBody>
+          </p:sp>
+          <p:sp>
+            <p:nvSpPr>
+              <p:cNvPr id="46" name="Rectangle: Rounded Corners 45"/>
+              <p:cNvSpPr/>
+              <p:nvPr/>
+            </p:nvSpPr>
+            <p:spPr>
+              <a:xfrm>
+                <a:off x="7553326" y="1447991"/>
+                <a:ext cx="892175" cy="117477"/>
+              </a:xfrm>
+              <a:prstGeom prst="roundRect">
+                <a:avLst>
+                  <a:gd name="adj" fmla="val 46454"/>
+                </a:avLst>
+              </a:prstGeom>
+              <a:solidFill>
+                <a:schemeClr val="bg1">
+                  <a:lumMod val="65000"/>
+                </a:schemeClr>
+              </a:solidFill>
+              <a:ln>
+                <a:solidFill>
+                  <a:schemeClr val="tx1">
+                    <a:lumMod val="50000"/>
+                    <a:lumOff val="50000"/>
+                  </a:schemeClr>
+                </a:solidFill>
+              </a:ln>
+            </p:spPr>
+            <p:style>
+              <a:lnRef idx="2">
+                <a:schemeClr val="accent1">
+                  <a:shade val="50000"/>
+                </a:schemeClr>
+              </a:lnRef>
+              <a:fillRef idx="1">
+                <a:schemeClr val="accent1"/>
+              </a:fillRef>
+              <a:effectRef idx="0">
+                <a:schemeClr val="accent1"/>
+              </a:effectRef>
+              <a:fontRef idx="minor">
+                <a:schemeClr val="lt1"/>
+              </a:fontRef>
+            </p:style>
+            <p:txBody>
+              <a:bodyPr rtlCol="0" anchor="ctr"/>
+              <a:lstStyle/>
+              <a:p>
+                <a:pPr algn="ctr"/>
+                <a:endParaRPr lang="en-US"/>
+              </a:p>
+            </p:txBody>
+          </p:sp>
+          <p:sp>
+            <p:nvSpPr>
+              <p:cNvPr id="47" name="Rectangle: Rounded Corners 46"/>
+              <p:cNvSpPr/>
+              <p:nvPr/>
+            </p:nvSpPr>
+            <p:spPr>
+              <a:xfrm>
+                <a:off x="7553326" y="1652778"/>
+                <a:ext cx="892175" cy="117477"/>
+              </a:xfrm>
+              <a:prstGeom prst="roundRect">
+                <a:avLst>
+                  <a:gd name="adj" fmla="val 46454"/>
+                </a:avLst>
+              </a:prstGeom>
+              <a:solidFill>
+                <a:schemeClr val="bg1">
+                  <a:lumMod val="65000"/>
+                </a:schemeClr>
+              </a:solidFill>
+              <a:ln>
+                <a:solidFill>
+                  <a:schemeClr val="tx1">
+                    <a:lumMod val="50000"/>
+                    <a:lumOff val="50000"/>
+                  </a:schemeClr>
+                </a:solidFill>
+              </a:ln>
+            </p:spPr>
+            <p:style>
+              <a:lnRef idx="2">
+                <a:schemeClr val="accent1">
+                  <a:shade val="50000"/>
+                </a:schemeClr>
+              </a:lnRef>
+              <a:fillRef idx="1">
+                <a:schemeClr val="accent1"/>
+              </a:fillRef>
+              <a:effectRef idx="0">
+                <a:schemeClr val="accent1"/>
+              </a:effectRef>
+              <a:fontRef idx="minor">
+                <a:schemeClr val="lt1"/>
+              </a:fontRef>
+            </p:style>
+            <p:txBody>
+              <a:bodyPr rtlCol="0" anchor="ctr"/>
+              <a:lstStyle/>
+              <a:p>
+                <a:pPr algn="ctr"/>
+                <a:endParaRPr lang="en-US"/>
+              </a:p>
+            </p:txBody>
+          </p:sp>
+        </p:grpSp>
+        <p:sp>
+          <p:nvSpPr>
+            <p:cNvPr id="48" name="Rectangle 47"/>
+            <p:cNvSpPr/>
+            <p:nvPr/>
+          </p:nvSpPr>
+          <p:spPr>
+            <a:xfrm flipH="1">
+              <a:off x="7936828" y="2161979"/>
+              <a:ext cx="717498" cy="127163"/>
+            </a:xfrm>
+            <a:prstGeom prst="rect">
+              <a:avLst/>
+            </a:prstGeom>
+            <a:solidFill>
+              <a:schemeClr val="bg1">
+                <a:lumMod val="50000"/>
+              </a:schemeClr>
+            </a:solidFill>
+            <a:ln>
+              <a:noFill/>
+            </a:ln>
+          </p:spPr>
+          <p:style>
+            <a:lnRef idx="2">
+              <a:schemeClr val="accent1">
+                <a:shade val="50000"/>
+              </a:schemeClr>
+            </a:lnRef>
+            <a:fillRef idx="1">
+              <a:schemeClr val="accent1"/>
+            </a:fillRef>
+            <a:effectRef idx="0">
+              <a:schemeClr val="accent1"/>
+            </a:effectRef>
+            <a:fontRef idx="minor">
+              <a:schemeClr val="lt1"/>
+            </a:fontRef>
+          </p:style>
+          <p:txBody>
+            <a:bodyPr rtlCol="0" anchor="ctr"/>
+            <a:lstStyle/>
+            <a:p>
+              <a:pPr algn="ctr"/>
+              <a:endParaRPr lang="en-US"/>
+            </a:p>
+          </p:txBody>
+        </p:sp>
+        <p:sp>
+          <p:nvSpPr>
+            <p:cNvPr id="49" name="Rectangle 48"/>
+            <p:cNvSpPr/>
+            <p:nvPr/>
+          </p:nvSpPr>
+          <p:spPr>
+            <a:xfrm rot="3840000" flipH="1">
+              <a:off x="7534552" y="1935664"/>
+              <a:ext cx="582829" cy="127163"/>
+            </a:xfrm>
+            <a:prstGeom prst="rect">
+              <a:avLst/>
+            </a:prstGeom>
+            <a:solidFill>
+              <a:schemeClr val="bg1">
+                <a:lumMod val="50000"/>
+              </a:schemeClr>
+            </a:solidFill>
+            <a:ln>
+              <a:noFill/>
+            </a:ln>
+          </p:spPr>
+          <p:style>
+            <a:lnRef idx="2">
+              <a:schemeClr val="accent1">
+                <a:shade val="50000"/>
+              </a:schemeClr>
+            </a:lnRef>
+            <a:fillRef idx="1">
+              <a:schemeClr val="accent1"/>
+            </a:fillRef>
+            <a:effectRef idx="0">
+              <a:schemeClr val="accent1"/>
+            </a:effectRef>
+            <a:fontRef idx="minor">
+              <a:schemeClr val="lt1"/>
+            </a:fontRef>
+          </p:style>
+          <p:txBody>
+            <a:bodyPr rtlCol="0" anchor="ctr"/>
+            <a:lstStyle/>
+            <a:p>
+              <a:pPr algn="ctr"/>
+              <a:endParaRPr lang="en-US"/>
+            </a:p>
+          </p:txBody>
+        </p:sp>
+        <p:sp>
+          <p:nvSpPr>
+            <p:cNvPr id="50" name="Freeform: Shape 49"/>
+            <p:cNvSpPr/>
+            <p:nvPr/>
+          </p:nvSpPr>
+          <p:spPr>
+            <a:xfrm flipH="1">
+              <a:off x="8654327" y="1880837"/>
+              <a:ext cx="137980" cy="692752"/>
+            </a:xfrm>
+            <a:custGeom>
+              <a:avLst/>
+              <a:gdLst>
+                <a:gd name="connsiteX0" fmla="*/ 0 w 280987"/>
+                <a:gd name="connsiteY0" fmla="*/ 0 h 1195543"/>
+                <a:gd name="connsiteX1" fmla="*/ 98425 w 280987"/>
+                <a:gd name="connsiteY1" fmla="*/ 0 h 1195543"/>
+                <a:gd name="connsiteX2" fmla="*/ 244474 w 280987"/>
+                <a:gd name="connsiteY2" fmla="*/ 0 h 1195543"/>
+                <a:gd name="connsiteX3" fmla="*/ 247650 w 280987"/>
+                <a:gd name="connsiteY3" fmla="*/ 0 h 1195543"/>
+                <a:gd name="connsiteX4" fmla="*/ 247650 w 280987"/>
+                <a:gd name="connsiteY4" fmla="*/ 1316 h 1195543"/>
+                <a:gd name="connsiteX5" fmla="*/ 270293 w 280987"/>
+                <a:gd name="connsiteY5" fmla="*/ 10694 h 1195543"/>
+                <a:gd name="connsiteX6" fmla="*/ 280987 w 280987"/>
+                <a:gd name="connsiteY6" fmla="*/ 36513 h 1195543"/>
+                <a:gd name="connsiteX7" fmla="*/ 280987 w 280987"/>
+                <a:gd name="connsiteY7" fmla="*/ 1159030 h 1195543"/>
+                <a:gd name="connsiteX8" fmla="*/ 270293 w 280987"/>
+                <a:gd name="connsiteY8" fmla="*/ 1184849 h 1195543"/>
+                <a:gd name="connsiteX9" fmla="*/ 247650 w 280987"/>
+                <a:gd name="connsiteY9" fmla="*/ 1194228 h 1195543"/>
+                <a:gd name="connsiteX10" fmla="*/ 247650 w 280987"/>
+                <a:gd name="connsiteY10" fmla="*/ 1195543 h 1195543"/>
+                <a:gd name="connsiteX11" fmla="*/ 244474 w 280987"/>
+                <a:gd name="connsiteY11" fmla="*/ 1195543 h 1195543"/>
+                <a:gd name="connsiteX12" fmla="*/ 98425 w 280987"/>
+                <a:gd name="connsiteY12" fmla="*/ 1195543 h 1195543"/>
+                <a:gd name="connsiteX13" fmla="*/ 0 w 280987"/>
+                <a:gd name="connsiteY13" fmla="*/ 1195543 h 1195543"/>
+              </a:gdLst>
+              <a:ahLst/>
+              <a:cxnLst>
+                <a:cxn ang="0">
+                  <a:pos x="connsiteX0" y="connsiteY0"/>
+                </a:cxn>
+                <a:cxn ang="0">
+                  <a:pos x="connsiteX1" y="connsiteY1"/>
+                </a:cxn>
+                <a:cxn ang="0">
+                  <a:pos x="connsiteX2" y="connsiteY2"/>
+                </a:cxn>
+                <a:cxn ang="0">
+                  <a:pos x="connsiteX3" y="connsiteY3"/>
+                </a:cxn>
+                <a:cxn ang="0">
+                  <a:pos x="connsiteX4" y="connsiteY4"/>
+                </a:cxn>
+                <a:cxn ang="0">
+                  <a:pos x="connsiteX5" y="connsiteY5"/>
+                </a:cxn>
+                <a:cxn ang="0">
+                  <a:pos x="connsiteX6" y="connsiteY6"/>
+                </a:cxn>
+                <a:cxn ang="0">
+                  <a:pos x="connsiteX7" y="connsiteY7"/>
+                </a:cxn>
+                <a:cxn ang="0">
+                  <a:pos x="connsiteX8" y="connsiteY8"/>
+                </a:cxn>
+                <a:cxn ang="0">
+                  <a:pos x="connsiteX9" y="connsiteY9"/>
+                </a:cxn>
+                <a:cxn ang="0">
+                  <a:pos x="connsiteX10" y="connsiteY10"/>
+                </a:cxn>
+                <a:cxn ang="0">
+                  <a:pos x="connsiteX11" y="connsiteY11"/>
+                </a:cxn>
+                <a:cxn ang="0">
+                  <a:pos x="connsiteX12" y="connsiteY12"/>
+                </a:cxn>
+                <a:cxn ang="0">
+                  <a:pos x="connsiteX13" y="connsiteY13"/>
+                </a:cxn>
+              </a:cxnLst>
+              <a:rect l="l" t="t" r="r" b="b"/>
+              <a:pathLst>
+                <a:path w="280987" h="1195543">
+                  <a:moveTo>
+                    <a:pt x="0" y="0"/>
+                  </a:moveTo>
+                  <a:lnTo>
+                    <a:pt x="98425" y="0"/>
+                  </a:lnTo>
+                  <a:lnTo>
+                    <a:pt x="244474" y="0"/>
+                  </a:lnTo>
+                  <a:lnTo>
+                    <a:pt x="247650" y="0"/>
+                  </a:lnTo>
+                  <a:lnTo>
+                    <a:pt x="247650" y="1316"/>
+                  </a:lnTo>
+                  <a:lnTo>
+                    <a:pt x="270293" y="10694"/>
+                  </a:lnTo>
+                  <a:cubicBezTo>
+                    <a:pt x="276901" y="17302"/>
+                    <a:pt x="280987" y="26430"/>
+                    <a:pt x="280987" y="36513"/>
+                  </a:cubicBezTo>
+                  <a:lnTo>
+                    <a:pt x="280987" y="1159030"/>
+                  </a:lnTo>
+                  <a:cubicBezTo>
+                    <a:pt x="280987" y="1169113"/>
+                    <a:pt x="276901" y="1178241"/>
+                    <a:pt x="270293" y="1184849"/>
+                  </a:cubicBezTo>
+                  <a:lnTo>
+                    <a:pt x="247650" y="1194228"/>
+                  </a:lnTo>
+                  <a:lnTo>
+                    <a:pt x="247650" y="1195543"/>
+                  </a:lnTo>
+                  <a:lnTo>
+                    <a:pt x="244474" y="1195543"/>
+                  </a:lnTo>
+                  <a:lnTo>
+                    <a:pt x="98425" y="1195543"/>
+                  </a:lnTo>
+                  <a:lnTo>
+                    <a:pt x="0" y="1195543"/>
+                  </a:lnTo>
+                  <a:close/>
+                </a:path>
+              </a:pathLst>
+            </a:custGeom>
+            <a:solidFill>
+              <a:schemeClr val="bg1">
+                <a:lumMod val="75000"/>
+              </a:schemeClr>
+            </a:solidFill>
+            <a:ln>
+              <a:noFill/>
+            </a:ln>
+          </p:spPr>
+          <p:style>
+            <a:lnRef idx="2">
+              <a:schemeClr val="accent1">
+                <a:shade val="50000"/>
+              </a:schemeClr>
+            </a:lnRef>
+            <a:fillRef idx="1">
+              <a:schemeClr val="accent1"/>
+            </a:fillRef>
+            <a:effectRef idx="0">
+              <a:schemeClr val="accent1"/>
+            </a:effectRef>
+            <a:fontRef idx="minor">
+              <a:schemeClr val="lt1"/>
+            </a:fontRef>
+          </p:style>
+          <p:txBody>
+            <a:bodyPr rtlCol="0" anchor="ctr"/>
+            <a:lstStyle/>
+            <a:p>
+              <a:pPr algn="ctr"/>
+              <a:endParaRPr lang="en-US"/>
+            </a:p>
+          </p:txBody>
+        </p:sp>
+        <p:grpSp>
+          <p:nvGrpSpPr>
+            <p:cNvPr id="51" name="Group 50"/>
+            <p:cNvGrpSpPr/>
+            <p:nvPr/>
+          </p:nvGrpSpPr>
+          <p:grpSpPr>
+            <a:xfrm flipH="1">
+              <a:off x="7787809" y="2077351"/>
+              <a:ext cx="286999" cy="292519"/>
+              <a:chOff x="7486651" y="4200525"/>
+              <a:chExt cx="495300" cy="504825"/>
+            </a:xfrm>
+          </p:grpSpPr>
+          <p:sp>
+            <p:nvSpPr>
+              <p:cNvPr id="52" name="Oval 51"/>
+              <p:cNvSpPr/>
+              <p:nvPr/>
+            </p:nvSpPr>
+            <p:spPr>
+              <a:xfrm>
+                <a:off x="7486651" y="4200525"/>
+                <a:ext cx="495300" cy="504825"/>
+              </a:xfrm>
+              <a:prstGeom prst="ellipse">
+                <a:avLst/>
+              </a:prstGeom>
+              <a:solidFill>
+                <a:schemeClr val="bg1">
+                  <a:lumMod val="65000"/>
+                </a:schemeClr>
+              </a:solidFill>
+              <a:ln>
+                <a:noFill/>
+              </a:ln>
+            </p:spPr>
+            <p:style>
+              <a:lnRef idx="2">
+                <a:schemeClr val="accent1">
+                  <a:shade val="50000"/>
+                </a:schemeClr>
+              </a:lnRef>
+              <a:fillRef idx="1">
+                <a:schemeClr val="accent1"/>
+              </a:fillRef>
+              <a:effectRef idx="0">
+                <a:schemeClr val="accent1"/>
+              </a:effectRef>
+              <a:fontRef idx="minor">
+                <a:schemeClr val="lt1"/>
+              </a:fontRef>
+            </p:style>
+            <p:txBody>
+              <a:bodyPr rtlCol="0" anchor="ctr"/>
+              <a:lstStyle/>
+              <a:p>
+                <a:pPr algn="ctr"/>
+                <a:endParaRPr lang="en-US"/>
+              </a:p>
+            </p:txBody>
+          </p:sp>
+          <p:sp>
+            <p:nvSpPr>
+              <p:cNvPr id="53" name="Oval 52"/>
+              <p:cNvSpPr/>
+              <p:nvPr/>
+            </p:nvSpPr>
+            <p:spPr>
+              <a:xfrm>
+                <a:off x="7588856" y="4304695"/>
+                <a:ext cx="290890" cy="296485"/>
+              </a:xfrm>
+              <a:prstGeom prst="ellipse">
+                <a:avLst/>
+              </a:prstGeom>
+              <a:solidFill>
+                <a:schemeClr val="tx1">
+                  <a:lumMod val="50000"/>
+                  <a:lumOff val="50000"/>
+                </a:schemeClr>
+              </a:solidFill>
+              <a:ln>
+                <a:noFill/>
+              </a:ln>
+            </p:spPr>
+            <p:style>
+              <a:lnRef idx="2">
+                <a:schemeClr val="accent1">
+                  <a:shade val="50000"/>
+                </a:schemeClr>
+              </a:lnRef>
+              <a:fillRef idx="1">
+                <a:schemeClr val="accent1"/>
+              </a:fillRef>
+              <a:effectRef idx="0">
+                <a:schemeClr val="accent1"/>
+              </a:effectRef>
+              <a:fontRef idx="minor">
+                <a:schemeClr val="lt1"/>
+              </a:fontRef>
+            </p:style>
+            <p:txBody>
+              <a:bodyPr rtlCol="0" anchor="ctr"/>
+              <a:lstStyle/>
+              <a:p>
+                <a:pPr algn="ctr"/>
+                <a:endParaRPr lang="en-US"/>
+              </a:p>
+            </p:txBody>
+          </p:sp>
+        </p:grpSp>
+        <p:grpSp>
+          <p:nvGrpSpPr>
+            <p:cNvPr id="54" name="Group 53"/>
+            <p:cNvGrpSpPr/>
+            <p:nvPr/>
+          </p:nvGrpSpPr>
+          <p:grpSpPr>
+            <a:xfrm flipH="1">
+              <a:off x="7537223" y="1599849"/>
+              <a:ext cx="347711" cy="347711"/>
+              <a:chOff x="5600700" y="4229100"/>
+              <a:chExt cx="600075" cy="600075"/>
+            </a:xfrm>
+          </p:grpSpPr>
+          <p:sp>
+            <p:nvSpPr>
+              <p:cNvPr id="55" name="Oval 54"/>
+              <p:cNvSpPr/>
+              <p:nvPr/>
+            </p:nvSpPr>
+            <p:spPr>
+              <a:xfrm>
+                <a:off x="5600700" y="4229100"/>
+                <a:ext cx="600075" cy="600075"/>
+              </a:xfrm>
+              <a:prstGeom prst="ellipse">
+                <a:avLst/>
+              </a:prstGeom>
+              <a:solidFill>
+                <a:schemeClr val="bg1">
+                  <a:lumMod val="65000"/>
+                </a:schemeClr>
+              </a:solidFill>
+              <a:ln>
+                <a:noFill/>
+              </a:ln>
+            </p:spPr>
+            <p:style>
+              <a:lnRef idx="2">
+                <a:schemeClr val="accent1">
+                  <a:shade val="50000"/>
+                </a:schemeClr>
+              </a:lnRef>
+              <a:fillRef idx="1">
+                <a:schemeClr val="accent1"/>
+              </a:fillRef>
+              <a:effectRef idx="0">
+                <a:schemeClr val="accent1"/>
+              </a:effectRef>
+              <a:fontRef idx="minor">
+                <a:schemeClr val="lt1"/>
+              </a:fontRef>
+            </p:style>
+            <p:txBody>
+              <a:bodyPr rtlCol="0" anchor="ctr"/>
+              <a:lstStyle/>
+              <a:p>
+                <a:pPr algn="ctr"/>
+                <a:endParaRPr lang="en-US"/>
+              </a:p>
+            </p:txBody>
+          </p:sp>
+          <p:sp>
+            <p:nvSpPr>
+              <p:cNvPr id="56" name="Oval 55"/>
+              <p:cNvSpPr/>
+              <p:nvPr/>
+            </p:nvSpPr>
+            <p:spPr>
+              <a:xfrm>
+                <a:off x="5724525" y="4352925"/>
+                <a:ext cx="352425" cy="352425"/>
+              </a:xfrm>
+              <a:prstGeom prst="ellipse">
+                <a:avLst/>
+              </a:prstGeom>
+              <a:solidFill>
+                <a:schemeClr val="tx1">
+                  <a:lumMod val="50000"/>
+                  <a:lumOff val="50000"/>
+                </a:schemeClr>
+              </a:solidFill>
+              <a:ln>
+                <a:noFill/>
+              </a:ln>
+            </p:spPr>
+            <p:style>
+              <a:lnRef idx="2">
+                <a:schemeClr val="accent1">
+                  <a:shade val="50000"/>
+                </a:schemeClr>
+              </a:lnRef>
+              <a:fillRef idx="1">
+                <a:schemeClr val="accent1"/>
+              </a:fillRef>
+              <a:effectRef idx="0">
+                <a:schemeClr val="accent1"/>
+              </a:effectRef>
+              <a:fontRef idx="minor">
+                <a:schemeClr val="lt1"/>
+              </a:fontRef>
+            </p:style>
+            <p:txBody>
+              <a:bodyPr rtlCol="0" anchor="ctr"/>
+              <a:lstStyle/>
+              <a:p>
+                <a:pPr algn="ctr"/>
+                <a:endParaRPr lang="en-US"/>
+              </a:p>
+            </p:txBody>
+          </p:sp>
+        </p:grpSp>
+      </p:grpSp>
+      <p:cxnSp>
+        <p:nvCxnSpPr>
+          <p:cNvPr id="10" name="Straight Connector 9"/>
+          <p:cNvCxnSpPr/>
+          <p:nvPr/>
+        </p:nvCxnSpPr>
+        <p:spPr>
+          <a:xfrm>
+            <a:off x="5647174" y="4564318"/>
+            <a:ext cx="3917753" cy="0"/>
+          </a:xfrm>
+          <a:prstGeom prst="line">
+            <a:avLst/>
+          </a:prstGeom>
+        </p:spPr>
+        <p:style>
+          <a:lnRef idx="1">
+            <a:schemeClr val="accent1"/>
+          </a:lnRef>
+          <a:fillRef idx="0">
+            <a:schemeClr val="accent1"/>
+          </a:fillRef>
+          <a:effectRef idx="0">
+            <a:schemeClr val="accent1"/>
+          </a:effectRef>
+          <a:fontRef idx="minor">
+            <a:schemeClr val="tx1"/>
+          </a:fontRef>
+        </p:style>
+      </p:cxnSp>
+      <p:sp>
+        <p:nvSpPr>
+          <p:cNvPr id="11" name="TextBox 10"/>
+          <p:cNvSpPr txBox="1"/>
+          <p:nvPr/>
+        </p:nvSpPr>
+        <p:spPr>
+          <a:xfrm>
+            <a:off x="7023798" y="4724819"/>
+            <a:ext cx="1814086" cy="369332"/>
+          </a:xfrm>
+          <a:prstGeom prst="rect">
+            <a:avLst/>
+          </a:prstGeom>
+          <a:noFill/>
+        </p:spPr>
+        <p:txBody>
+          <a:bodyPr wrap="none" rtlCol="0">
+            <a:spAutoFit/>
+          </a:bodyPr>
+          <a:lstStyle/>
+          <a:p>
+            <a:r>
+              <a:rPr lang="en-US"/>
+              <a:t>Standoff distance</a:t>
+            </a:r>
+            <a:endParaRPr lang="en-US"/>
+          </a:p>
+        </p:txBody>
+      </p:sp>
     </p:spTree>
     <p:extLst>
       <p:ext uri="{BB962C8B-B14F-4D97-AF65-F5344CB8AC3E}">
         <p14:creationId xmlns:p14="http://schemas.microsoft.com/office/powerpoint/2010/main" val="1142756743"/>
+      </p:ext>
+    </p:extLst>
+  </p:cSld>
+  <p:clrMapOvr>
+    <a:masterClrMapping/>
+  </p:clrMapOvr>
+</p:sld>
+</file>
+
+<file path=ppt/slides/slide2.xml><?xml version="1.0" encoding="utf-8"?>
+<p:sld xmlns:a="http://schemas.openxmlformats.org/drawingml/2006/main" xmlns:r="http://schemas.openxmlformats.org/officeDocument/2006/relationships" xmlns:p="http://schemas.openxmlformats.org/presentationml/2006/main">
+  <p:cSld>
+    <p:spTree>
+      <p:nvGrpSpPr>
+        <p:cNvPr id="1" name=""/>
+        <p:cNvGrpSpPr/>
+        <p:nvPr/>
+      </p:nvGrpSpPr>
+      <p:grpSpPr>
+        <a:xfrm>
+          <a:off x="0" y="0"/>
+          <a:ext cx="0" cy="0"/>
+          <a:chOff x="0" y="0"/>
+          <a:chExt cx="0" cy="0"/>
+        </a:xfrm>
+      </p:grpSpPr>
+    </p:spTree>
+    <p:extLst>
+      <p:ext uri="{BB962C8B-B14F-4D97-AF65-F5344CB8AC3E}">
+        <p14:creationId xmlns:p14="http://schemas.microsoft.com/office/powerpoint/2010/main" val="34835473"/>
       </p:ext>
     </p:extLst>
   </p:cSld>
@@ -3231,4 +5413,299 @@
     </a:ext>
   </a:extLst>
 </a:theme>
+</file>
+
+<file path=ppt/theme/theme2.xml><?xml version="1.0" encoding="utf-8"?>
+<a:theme xmlns:a="http://schemas.openxmlformats.org/drawingml/2006/main" name="Office Theme">
+  <a:themeElements>
+    <a:clrScheme name="Office">
+      <a:dk1>
+        <a:sysClr val="windowText" lastClr="000000"/>
+      </a:dk1>
+      <a:lt1>
+        <a:sysClr val="window" lastClr="FFFFFF"/>
+      </a:lt1>
+      <a:dk2>
+        <a:srgbClr val="44546A"/>
+      </a:dk2>
+      <a:lt2>
+        <a:srgbClr val="E7E6E6"/>
+      </a:lt2>
+      <a:accent1>
+        <a:srgbClr val="5B9BD5"/>
+      </a:accent1>
+      <a:accent2>
+        <a:srgbClr val="ED7D31"/>
+      </a:accent2>
+      <a:accent3>
+        <a:srgbClr val="A5A5A5"/>
+      </a:accent3>
+      <a:accent4>
+        <a:srgbClr val="FFC000"/>
+      </a:accent4>
+      <a:accent5>
+        <a:srgbClr val="4472C4"/>
+      </a:accent5>
+      <a:accent6>
+        <a:srgbClr val="70AD47"/>
+      </a:accent6>
+      <a:hlink>
+        <a:srgbClr val="0563C1"/>
+      </a:hlink>
+      <a:folHlink>
+        <a:srgbClr val="954F72"/>
+      </a:folHlink>
+    </a:clrScheme>
+    <a:fontScheme name="Office">
+      <a:majorFont>
+        <a:latin typeface="Calibri Light" panose="020F0302020204030204"/>
+        <a:ea typeface=""/>
+        <a:cs typeface=""/>
+        <a:font script="Jpan" typeface="游ゴシック Light"/>
+        <a:font script="Hang" typeface="맑은 고딕"/>
+        <a:font script="Hans" typeface="等线 Light"/>
+        <a:font script="Hant" typeface="新細明體"/>
+        <a:font script="Arab" typeface="Times New Roman"/>
+        <a:font script="Hebr" typeface="Times New Roman"/>
+        <a:font script="Thai" typeface="Angsana New"/>
+        <a:font script="Ethi" typeface="Nyala"/>
+        <a:font script="Beng" typeface="Vrinda"/>
+        <a:font script="Gujr" typeface="Shruti"/>
+        <a:font script="Khmr" typeface="MoolBoran"/>
+        <a:font script="Knda" typeface="Tunga"/>
+        <a:font script="Guru" typeface="Raavi"/>
+        <a:font script="Cans" typeface="Euphemia"/>
+        <a:font script="Cher" typeface="Plantagenet Cherokee"/>
+        <a:font script="Yiii" typeface="Microsoft Yi Baiti"/>
+        <a:font script="Tibt" typeface="Microsoft Himalaya"/>
+        <a:font script="Thaa" typeface="MV Boli"/>
+        <a:font script="Deva" typeface="Mangal"/>
+        <a:font script="Telu" typeface="Gautami"/>
+        <a:font script="Taml" typeface="Latha"/>
+        <a:font script="Syrc" typeface="Estrangelo Edessa"/>
+        <a:font script="Orya" typeface="Kalinga"/>
+        <a:font script="Mlym" typeface="Kartika"/>
+        <a:font script="Laoo" typeface="DokChampa"/>
+        <a:font script="Sinh" typeface="Iskoola Pota"/>
+        <a:font script="Mong" typeface="Mongolian Baiti"/>
+        <a:font script="Viet" typeface="Times New Roman"/>
+        <a:font script="Uigh" typeface="Microsoft Uighur"/>
+        <a:font script="Geor" typeface="Sylfaen"/>
+        <a:font script="Armn" typeface="Arial"/>
+        <a:font script="Bugi" typeface="Leelawadee UI"/>
+        <a:font script="Bopo" typeface="Microsoft JhengHei"/>
+        <a:font script="Java" typeface="Javanese Text"/>
+        <a:font script="Lisu" typeface="Segoe UI"/>
+        <a:font script="Mymr" typeface="Myanmar Text"/>
+        <a:font script="Nkoo" typeface="Ebrima"/>
+        <a:font script="Olck" typeface="Nirmala UI"/>
+        <a:font script="Osma" typeface="Ebrima"/>
+        <a:font script="Phag" typeface="Phagspa"/>
+        <a:font script="Syrn" typeface="Estrangelo Edessa"/>
+        <a:font script="Syrj" typeface="Estrangelo Edessa"/>
+        <a:font script="Syre" typeface="Estrangelo Edessa"/>
+        <a:font script="Sora" typeface="Nirmala UI"/>
+        <a:font script="Tale" typeface="Microsoft Tai Le"/>
+        <a:font script="Talu" typeface="Microsoft New Tai Lue"/>
+        <a:font script="Tfng" typeface="Ebrima"/>
+      </a:majorFont>
+      <a:minorFont>
+        <a:latin typeface="Calibri" panose="020F0502020204030204"/>
+        <a:ea typeface=""/>
+        <a:cs typeface=""/>
+        <a:font script="Jpan" typeface="游ゴシック"/>
+        <a:font script="Hang" typeface="맑은 고딕"/>
+        <a:font script="Hans" typeface="等线"/>
+        <a:font script="Hant" typeface="新細明體"/>
+        <a:font script="Arab" typeface="Arial"/>
+        <a:font script="Hebr" typeface="Arial"/>
+        <a:font script="Thai" typeface="Cordia New"/>
+        <a:font script="Ethi" typeface="Nyala"/>
+        <a:font script="Beng" typeface="Vrinda"/>
+        <a:font script="Gujr" typeface="Shruti"/>
+        <a:font script="Khmr" typeface="DaunPenh"/>
+        <a:font script="Knda" typeface="Tunga"/>
+        <a:font script="Guru" typeface="Raavi"/>
+        <a:font script="Cans" typeface="Euphemia"/>
+        <a:font script="Cher" typeface="Plantagenet Cherokee"/>
+        <a:font script="Yiii" typeface="Microsoft Yi Baiti"/>
+        <a:font script="Tibt" typeface="Microsoft Himalaya"/>
+        <a:font script="Thaa" typeface="MV Boli"/>
+        <a:font script="Deva" typeface="Mangal"/>
+        <a:font script="Telu" typeface="Gautami"/>
+        <a:font script="Taml" typeface="Latha"/>
+        <a:font script="Syrc" typeface="Estrangelo Edessa"/>
+        <a:font script="Orya" typeface="Kalinga"/>
+        <a:font script="Mlym" typeface="Kartika"/>
+        <a:font script="Laoo" typeface="DokChampa"/>
+        <a:font script="Sinh" typeface="Iskoola Pota"/>
+        <a:font script="Mong" typeface="Mongolian Baiti"/>
+        <a:font script="Viet" typeface="Arial"/>
+        <a:font script="Uigh" typeface="Microsoft Uighur"/>
+        <a:font script="Geor" typeface="Sylfaen"/>
+        <a:font script="Armn" typeface="Arial"/>
+        <a:font script="Bugi" typeface="Leelawadee UI"/>
+        <a:font script="Bopo" typeface="Microsoft JhengHei"/>
+        <a:font script="Java" typeface="Javanese Text"/>
+        <a:font script="Lisu" typeface="Segoe UI"/>
+        <a:font script="Mymr" typeface="Myanmar Text"/>
+        <a:font script="Nkoo" typeface="Ebrima"/>
+        <a:font script="Olck" typeface="Nirmala UI"/>
+        <a:font script="Osma" typeface="Ebrima"/>
+        <a:font script="Phag" typeface="Phagspa"/>
+        <a:font script="Syrn" typeface="Estrangelo Edessa"/>
+        <a:font script="Syrj" typeface="Estrangelo Edessa"/>
+        <a:font script="Syre" typeface="Estrangelo Edessa"/>
+        <a:font script="Sora" typeface="Nirmala UI"/>
+        <a:font script="Tale" typeface="Microsoft Tai Le"/>
+        <a:font script="Talu" typeface="Microsoft New Tai Lue"/>
+        <a:font script="Tfng" typeface="Ebrima"/>
+      </a:minorFont>
+    </a:fontScheme>
+    <a:fmtScheme name="Office">
+      <a:fillStyleLst>
+        <a:solidFill>
+          <a:schemeClr val="phClr"/>
+        </a:solidFill>
+        <a:gradFill rotWithShape="1">
+          <a:gsLst>
+            <a:gs pos="0">
+              <a:schemeClr val="phClr">
+                <a:lumMod val="110000"/>
+                <a:satMod val="105000"/>
+                <a:tint val="67000"/>
+              </a:schemeClr>
+            </a:gs>
+            <a:gs pos="50000">
+              <a:schemeClr val="phClr">
+                <a:lumMod val="105000"/>
+                <a:satMod val="103000"/>
+                <a:tint val="73000"/>
+              </a:schemeClr>
+            </a:gs>
+            <a:gs pos="100000">
+              <a:schemeClr val="phClr">
+                <a:lumMod val="105000"/>
+                <a:satMod val="109000"/>
+                <a:tint val="81000"/>
+              </a:schemeClr>
+            </a:gs>
+          </a:gsLst>
+          <a:lin ang="5400000" scaled="0"/>
+        </a:gradFill>
+        <a:gradFill rotWithShape="1">
+          <a:gsLst>
+            <a:gs pos="0">
+              <a:schemeClr val="phClr">
+                <a:satMod val="103000"/>
+                <a:lumMod val="102000"/>
+                <a:tint val="94000"/>
+              </a:schemeClr>
+            </a:gs>
+            <a:gs pos="50000">
+              <a:schemeClr val="phClr">
+                <a:satMod val="110000"/>
+                <a:lumMod val="100000"/>
+                <a:shade val="100000"/>
+              </a:schemeClr>
+            </a:gs>
+            <a:gs pos="100000">
+              <a:schemeClr val="phClr">
+                <a:lumMod val="99000"/>
+                <a:satMod val="120000"/>
+                <a:shade val="78000"/>
+              </a:schemeClr>
+            </a:gs>
+          </a:gsLst>
+          <a:lin ang="5400000" scaled="0"/>
+        </a:gradFill>
+      </a:fillStyleLst>
+      <a:lnStyleLst>
+        <a:ln w="6350" cap="flat" cmpd="sng" algn="ctr">
+          <a:solidFill>
+            <a:schemeClr val="phClr"/>
+          </a:solidFill>
+          <a:prstDash val="solid"/>
+          <a:miter lim="800000"/>
+        </a:ln>
+        <a:ln w="12700" cap="flat" cmpd="sng" algn="ctr">
+          <a:solidFill>
+            <a:schemeClr val="phClr"/>
+          </a:solidFill>
+          <a:prstDash val="solid"/>
+          <a:miter lim="800000"/>
+        </a:ln>
+        <a:ln w="19050" cap="flat" cmpd="sng" algn="ctr">
+          <a:solidFill>
+            <a:schemeClr val="phClr"/>
+          </a:solidFill>
+          <a:prstDash val="solid"/>
+          <a:miter lim="800000"/>
+        </a:ln>
+      </a:lnStyleLst>
+      <a:effectStyleLst>
+        <a:effectStyle>
+          <a:effectLst/>
+        </a:effectStyle>
+        <a:effectStyle>
+          <a:effectLst/>
+        </a:effectStyle>
+        <a:effectStyle>
+          <a:effectLst>
+            <a:outerShdw blurRad="57150" dist="19050" dir="5400000" algn="ctr" rotWithShape="0">
+              <a:srgbClr val="000000">
+                <a:alpha val="63000"/>
+              </a:srgbClr>
+            </a:outerShdw>
+          </a:effectLst>
+        </a:effectStyle>
+      </a:effectStyleLst>
+      <a:bgFillStyleLst>
+        <a:solidFill>
+          <a:schemeClr val="phClr"/>
+        </a:solidFill>
+        <a:solidFill>
+          <a:schemeClr val="phClr">
+            <a:tint val="95000"/>
+            <a:satMod val="170000"/>
+          </a:schemeClr>
+        </a:solidFill>
+        <a:gradFill rotWithShape="1">
+          <a:gsLst>
+            <a:gs pos="0">
+              <a:schemeClr val="phClr">
+                <a:tint val="93000"/>
+                <a:satMod val="150000"/>
+                <a:shade val="98000"/>
+                <a:lumMod val="102000"/>
+              </a:schemeClr>
+            </a:gs>
+            <a:gs pos="50000">
+              <a:schemeClr val="phClr">
+                <a:tint val="98000"/>
+                <a:satMod val="130000"/>
+                <a:shade val="90000"/>
+                <a:lumMod val="103000"/>
+              </a:schemeClr>
+            </a:gs>
+            <a:gs pos="100000">
+              <a:schemeClr val="phClr">
+                <a:shade val="63000"/>
+                <a:satMod val="120000"/>
+              </a:schemeClr>
+            </a:gs>
+          </a:gsLst>
+          <a:lin ang="5400000" scaled="0"/>
+        </a:gradFill>
+      </a:bgFillStyleLst>
+    </a:fmtScheme>
+  </a:themeElements>
+  <a:objectDefaults/>
+  <a:extraClrSchemeLst/>
+  <a:extLst>
+    <a:ext uri="{05A4C25C-085E-4340-85A3-A5531E510DB2}">
+      <thm15:themeFamily xmlns:thm15="http://schemas.microsoft.com/office/thememl/2012/main" name="Office Theme" id="{62F939B6-93AF-4DB8-9C6B-D6C7DFDC589F}" vid="{4A3C46E8-61CC-4603-A589-7422A47A8E4A}"/>
+    </a:ext>
+  </a:extLst>
+</a:theme>
 </file>
--- a/defense/Rough_slides.pptx
+++ b/defense/Rough_slides.pptx
@@ -5107,7 +5107,6 @@
               <a:rPr lang="en-US"/>
               <a:t>Standoff distance</a:t>
             </a:r>
-            <a:endParaRPr lang="en-US"/>
           </a:p>
         </p:txBody>
       </p:sp>
@@ -5141,6 +5140,36 @@
           <a:chExt cx="0" cy="0"/>
         </a:xfrm>
       </p:grpSpPr>
+      <p:pic>
+        <p:nvPicPr>
+          <p:cNvPr id="2" name="Picture 1"/>
+          <p:cNvPicPr>
+            <a:picLocks noChangeAspect="1"/>
+          </p:cNvPicPr>
+          <p:nvPr/>
+        </p:nvPicPr>
+        <p:blipFill>
+          <a:blip r:embed="rId2">
+            <a:extLst>
+              <a:ext uri="{28A0092B-C50C-407E-A947-70E740481C1C}">
+                <a14:useLocalDpi xmlns:a14="http://schemas.microsoft.com/office/drawing/2010/main" val="0"/>
+              </a:ext>
+            </a:extLst>
+          </a:blip>
+          <a:stretch>
+            <a:fillRect/>
+          </a:stretch>
+        </p:blipFill>
+        <p:spPr>
+          <a:xfrm>
+            <a:off x="785787" y="1174376"/>
+            <a:ext cx="6045319" cy="4186383"/>
+          </a:xfrm>
+          <a:prstGeom prst="rect">
+            <a:avLst/>
+          </a:prstGeom>
+        </p:spPr>
+      </p:pic>
     </p:spTree>
     <p:extLst>
       <p:ext uri="{BB962C8B-B14F-4D97-AF65-F5344CB8AC3E}">

--- a/defense/Rough_slides.pptx
+++ b/defense/Rough_slides.pptx
@@ -5,11 +5,12 @@
     <p:sldMasterId id="2147483648" r:id="rId1"/>
   </p:sldMasterIdLst>
   <p:notesMasterIdLst>
-    <p:notesMasterId r:id="rId4"/>
+    <p:notesMasterId r:id="rId5"/>
   </p:notesMasterIdLst>
   <p:sldIdLst>
     <p:sldId id="256" r:id="rId2"/>
     <p:sldId id="257" r:id="rId3"/>
+    <p:sldId id="258" r:id="rId4"/>
   </p:sldIdLst>
   <p:sldSz cx="12192000" cy="6858000"/>
   <p:notesSz cx="6858000" cy="9144000"/>
@@ -226,7 +227,7 @@
           <a:p>
             <a:fld id="{40BB7926-BFFB-4486-8108-DF2553C253F7}" type="datetimeFigureOut">
               <a:rPr lang="en-US" smtClean="0"/>
-              <a:t>11/22/2016</a:t>
+              <a:t>11/23/2016</a:t>
             </a:fld>
             <a:endParaRPr lang="en-US"/>
           </a:p>
@@ -714,7 +715,7 @@
           <a:p>
             <a:fld id="{9D9501FF-ABFD-4A20-9D6D-E502A59752B5}" type="datetimeFigureOut">
               <a:rPr lang="en-US" smtClean="0"/>
-              <a:t>11/22/2016</a:t>
+              <a:t>11/23/2016</a:t>
             </a:fld>
             <a:endParaRPr lang="en-US"/>
           </a:p>
@@ -882,7 +883,7 @@
           <a:p>
             <a:fld id="{9D9501FF-ABFD-4A20-9D6D-E502A59752B5}" type="datetimeFigureOut">
               <a:rPr lang="en-US" smtClean="0"/>
-              <a:t>11/22/2016</a:t>
+              <a:t>11/23/2016</a:t>
             </a:fld>
             <a:endParaRPr lang="en-US"/>
           </a:p>
@@ -1060,7 +1061,7 @@
           <a:p>
             <a:fld id="{9D9501FF-ABFD-4A20-9D6D-E502A59752B5}" type="datetimeFigureOut">
               <a:rPr lang="en-US" smtClean="0"/>
-              <a:t>11/22/2016</a:t>
+              <a:t>11/23/2016</a:t>
             </a:fld>
             <a:endParaRPr lang="en-US"/>
           </a:p>
@@ -1228,7 +1229,7 @@
           <a:p>
             <a:fld id="{9D9501FF-ABFD-4A20-9D6D-E502A59752B5}" type="datetimeFigureOut">
               <a:rPr lang="en-US" smtClean="0"/>
-              <a:t>11/22/2016</a:t>
+              <a:t>11/23/2016</a:t>
             </a:fld>
             <a:endParaRPr lang="en-US"/>
           </a:p>
@@ -1473,7 +1474,7 @@
           <a:p>
             <a:fld id="{9D9501FF-ABFD-4A20-9D6D-E502A59752B5}" type="datetimeFigureOut">
               <a:rPr lang="en-US" smtClean="0"/>
-              <a:t>11/22/2016</a:t>
+              <a:t>11/23/2016</a:t>
             </a:fld>
             <a:endParaRPr lang="en-US"/>
           </a:p>
@@ -1702,7 +1703,7 @@
           <a:p>
             <a:fld id="{9D9501FF-ABFD-4A20-9D6D-E502A59752B5}" type="datetimeFigureOut">
               <a:rPr lang="en-US" smtClean="0"/>
-              <a:t>11/22/2016</a:t>
+              <a:t>11/23/2016</a:t>
             </a:fld>
             <a:endParaRPr lang="en-US"/>
           </a:p>
@@ -2066,7 +2067,7 @@
           <a:p>
             <a:fld id="{9D9501FF-ABFD-4A20-9D6D-E502A59752B5}" type="datetimeFigureOut">
               <a:rPr lang="en-US" smtClean="0"/>
-              <a:t>11/22/2016</a:t>
+              <a:t>11/23/2016</a:t>
             </a:fld>
             <a:endParaRPr lang="en-US"/>
           </a:p>
@@ -2183,7 +2184,7 @@
           <a:p>
             <a:fld id="{9D9501FF-ABFD-4A20-9D6D-E502A59752B5}" type="datetimeFigureOut">
               <a:rPr lang="en-US" smtClean="0"/>
-              <a:t>11/22/2016</a:t>
+              <a:t>11/23/2016</a:t>
             </a:fld>
             <a:endParaRPr lang="en-US"/>
           </a:p>
@@ -2278,7 +2279,7 @@
           <a:p>
             <a:fld id="{9D9501FF-ABFD-4A20-9D6D-E502A59752B5}" type="datetimeFigureOut">
               <a:rPr lang="en-US" smtClean="0"/>
-              <a:t>11/22/2016</a:t>
+              <a:t>11/23/2016</a:t>
             </a:fld>
             <a:endParaRPr lang="en-US"/>
           </a:p>
@@ -2553,7 +2554,7 @@
           <a:p>
             <a:fld id="{9D9501FF-ABFD-4A20-9D6D-E502A59752B5}" type="datetimeFigureOut">
               <a:rPr lang="en-US" smtClean="0"/>
-              <a:t>11/22/2016</a:t>
+              <a:t>11/23/2016</a:t>
             </a:fld>
             <a:endParaRPr lang="en-US"/>
           </a:p>
@@ -2808,7 +2809,7 @@
           <a:p>
             <a:fld id="{9D9501FF-ABFD-4A20-9D6D-E502A59752B5}" type="datetimeFigureOut">
               <a:rPr lang="en-US" smtClean="0"/>
-              <a:t>11/22/2016</a:t>
+              <a:t>11/23/2016</a:t>
             </a:fld>
             <a:endParaRPr lang="en-US"/>
           </a:p>
@@ -3019,7 +3020,7 @@
           <a:p>
             <a:fld id="{9D9501FF-ABFD-4A20-9D6D-E502A59752B5}" type="datetimeFigureOut">
               <a:rPr lang="en-US" smtClean="0"/>
-              <a:t>11/22/2016</a:t>
+              <a:t>11/23/2016</a:t>
             </a:fld>
             <a:endParaRPr lang="en-US"/>
           </a:p>
@@ -5183,6 +5184,613 @@
 </p:sld>
 </file>
 
+<file path=ppt/slides/slide3.xml><?xml version="1.0" encoding="utf-8"?>
+<p:sld xmlns:a="http://schemas.openxmlformats.org/drawingml/2006/main" xmlns:r="http://schemas.openxmlformats.org/officeDocument/2006/relationships" xmlns:p="http://schemas.openxmlformats.org/presentationml/2006/main">
+  <p:cSld>
+    <p:spTree>
+      <p:nvGrpSpPr>
+        <p:cNvPr id="1" name=""/>
+        <p:cNvGrpSpPr/>
+        <p:nvPr/>
+      </p:nvGrpSpPr>
+      <p:grpSpPr>
+        <a:xfrm>
+          <a:off x="0" y="0"/>
+          <a:ext cx="0" cy="0"/>
+          <a:chOff x="0" y="0"/>
+          <a:chExt cx="0" cy="0"/>
+        </a:xfrm>
+      </p:grpSpPr>
+      <p:sp>
+        <p:nvSpPr>
+          <p:cNvPr id="2" name="Oval 1"/>
+          <p:cNvSpPr/>
+          <p:nvPr/>
+        </p:nvSpPr>
+        <p:spPr>
+          <a:xfrm>
+            <a:off x="7591936" y="2148974"/>
+            <a:ext cx="263591" cy="1945044"/>
+          </a:xfrm>
+          <a:prstGeom prst="ellipse">
+            <a:avLst/>
+          </a:prstGeom>
+          <a:gradFill flip="none" rotWithShape="1">
+            <a:gsLst>
+              <a:gs pos="0">
+                <a:schemeClr val="bg1">
+                  <a:lumMod val="56000"/>
+                  <a:lumOff val="44000"/>
+                  <a:alpha val="79000"/>
+                </a:schemeClr>
+              </a:gs>
+              <a:gs pos="41000">
+                <a:srgbClr val="0099FF">
+                  <a:alpha val="90980"/>
+                  <a:lumMod val="82000"/>
+                </a:srgbClr>
+              </a:gs>
+              <a:gs pos="100000">
+                <a:srgbClr val="0000FF">
+                  <a:alpha val="92941"/>
+                  <a:lumMod val="77000"/>
+                  <a:lumOff val="23000"/>
+                </a:srgbClr>
+              </a:gs>
+            </a:gsLst>
+            <a:path path="circle">
+              <a:fillToRect l="50000" t="50000" r="50000" b="50000"/>
+            </a:path>
+            <a:tileRect/>
+          </a:gradFill>
+          <a:ln>
+            <a:noFill/>
+          </a:ln>
+          <a:scene3d>
+            <a:camera prst="orthographicFront"/>
+            <a:lightRig rig="threePt" dir="t"/>
+          </a:scene3d>
+          <a:sp3d prstMaterial="clear">
+            <a:bevelT w="139700" h="158750"/>
+            <a:bevelB w="127000"/>
+          </a:sp3d>
+        </p:spPr>
+        <p:style>
+          <a:lnRef idx="2">
+            <a:schemeClr val="accent1">
+              <a:shade val="50000"/>
+            </a:schemeClr>
+          </a:lnRef>
+          <a:fillRef idx="1">
+            <a:schemeClr val="accent1"/>
+          </a:fillRef>
+          <a:effectRef idx="0">
+            <a:schemeClr val="accent1"/>
+          </a:effectRef>
+          <a:fontRef idx="minor">
+            <a:schemeClr val="lt1"/>
+          </a:fontRef>
+        </p:style>
+        <p:txBody>
+          <a:bodyPr rtlCol="0" anchor="ctr"/>
+          <a:lstStyle/>
+          <a:p>
+            <a:pPr algn="ctr"/>
+            <a:endParaRPr lang="en-US"/>
+          </a:p>
+        </p:txBody>
+      </p:sp>
+      <p:sp>
+        <p:nvSpPr>
+          <p:cNvPr id="3" name="Oval 2"/>
+          <p:cNvSpPr/>
+          <p:nvPr/>
+        </p:nvSpPr>
+        <p:spPr>
+          <a:xfrm>
+            <a:off x="8274272" y="2148974"/>
+            <a:ext cx="263591" cy="1945044"/>
+          </a:xfrm>
+          <a:prstGeom prst="ellipse">
+            <a:avLst/>
+          </a:prstGeom>
+          <a:gradFill flip="none" rotWithShape="1">
+            <a:gsLst>
+              <a:gs pos="0">
+                <a:schemeClr val="bg1">
+                  <a:lumMod val="56000"/>
+                  <a:lumOff val="44000"/>
+                  <a:alpha val="79000"/>
+                </a:schemeClr>
+              </a:gs>
+              <a:gs pos="41000">
+                <a:srgbClr val="0099FF">
+                  <a:alpha val="90980"/>
+                  <a:lumMod val="82000"/>
+                </a:srgbClr>
+              </a:gs>
+              <a:gs pos="100000">
+                <a:srgbClr val="0000FF">
+                  <a:alpha val="92941"/>
+                  <a:lumMod val="77000"/>
+                  <a:lumOff val="23000"/>
+                </a:srgbClr>
+              </a:gs>
+            </a:gsLst>
+            <a:path path="circle">
+              <a:fillToRect l="50000" t="50000" r="50000" b="50000"/>
+            </a:path>
+            <a:tileRect/>
+          </a:gradFill>
+          <a:ln>
+            <a:noFill/>
+          </a:ln>
+          <a:scene3d>
+            <a:camera prst="orthographicFront"/>
+            <a:lightRig rig="threePt" dir="t"/>
+          </a:scene3d>
+          <a:sp3d prstMaterial="clear">
+            <a:bevelT w="139700" h="158750"/>
+            <a:bevelB w="127000"/>
+          </a:sp3d>
+        </p:spPr>
+        <p:style>
+          <a:lnRef idx="2">
+            <a:schemeClr val="accent1">
+              <a:shade val="50000"/>
+            </a:schemeClr>
+          </a:lnRef>
+          <a:fillRef idx="1">
+            <a:schemeClr val="accent1"/>
+          </a:fillRef>
+          <a:effectRef idx="0">
+            <a:schemeClr val="accent1"/>
+          </a:effectRef>
+          <a:fontRef idx="minor">
+            <a:schemeClr val="lt1"/>
+          </a:fontRef>
+        </p:style>
+        <p:txBody>
+          <a:bodyPr rtlCol="0" anchor="ctr"/>
+          <a:lstStyle/>
+          <a:p>
+            <a:pPr algn="ctr"/>
+            <a:endParaRPr lang="en-US"/>
+          </a:p>
+        </p:txBody>
+      </p:sp>
+      <p:sp>
+        <p:nvSpPr>
+          <p:cNvPr id="4" name="Isosceles Triangle 3"/>
+          <p:cNvSpPr/>
+          <p:nvPr/>
+        </p:nvSpPr>
+        <p:spPr>
+          <a:xfrm>
+            <a:off x="529936" y="2254824"/>
+            <a:ext cx="1246910" cy="1247405"/>
+          </a:xfrm>
+          <a:prstGeom prst="triangle">
+            <a:avLst>
+              <a:gd name="adj" fmla="val 50000"/>
+            </a:avLst>
+          </a:prstGeom>
+          <a:noFill/>
+          <a:ln w="38100">
+            <a:solidFill>
+              <a:srgbClr val="00B050"/>
+            </a:solidFill>
+          </a:ln>
+          <a:scene3d>
+            <a:camera prst="isometricOffAxis2Right"/>
+            <a:lightRig rig="threePt" dir="t"/>
+          </a:scene3d>
+        </p:spPr>
+        <p:style>
+          <a:lnRef idx="2">
+            <a:schemeClr val="accent1">
+              <a:shade val="50000"/>
+            </a:schemeClr>
+          </a:lnRef>
+          <a:fillRef idx="1">
+            <a:schemeClr val="accent1"/>
+          </a:fillRef>
+          <a:effectRef idx="0">
+            <a:schemeClr val="accent1"/>
+          </a:effectRef>
+          <a:fontRef idx="minor">
+            <a:schemeClr val="lt1"/>
+          </a:fontRef>
+        </p:style>
+        <p:txBody>
+          <a:bodyPr rtlCol="0" anchor="ctr"/>
+          <a:lstStyle/>
+          <a:p>
+            <a:pPr algn="ctr"/>
+            <a:endParaRPr lang="en-US"/>
+          </a:p>
+        </p:txBody>
+      </p:sp>
+      <p:sp>
+        <p:nvSpPr>
+          <p:cNvPr id="5" name="Isosceles Triangle 4"/>
+          <p:cNvSpPr/>
+          <p:nvPr/>
+        </p:nvSpPr>
+        <p:spPr>
+          <a:xfrm flipV="1">
+            <a:off x="2670457" y="2734134"/>
+            <a:ext cx="1246910" cy="1247565"/>
+          </a:xfrm>
+          <a:prstGeom prst="triangle">
+            <a:avLst/>
+          </a:prstGeom>
+          <a:noFill/>
+          <a:ln w="38100">
+            <a:solidFill>
+              <a:srgbClr val="00B0F0"/>
+            </a:solidFill>
+          </a:ln>
+          <a:scene3d>
+            <a:camera prst="isometricOffAxis2Right"/>
+            <a:lightRig rig="threePt" dir="t"/>
+          </a:scene3d>
+        </p:spPr>
+        <p:style>
+          <a:lnRef idx="2">
+            <a:schemeClr val="accent1">
+              <a:shade val="50000"/>
+            </a:schemeClr>
+          </a:lnRef>
+          <a:fillRef idx="1">
+            <a:schemeClr val="accent1"/>
+          </a:fillRef>
+          <a:effectRef idx="0">
+            <a:schemeClr val="accent1"/>
+          </a:effectRef>
+          <a:fontRef idx="minor">
+            <a:schemeClr val="lt1"/>
+          </a:fontRef>
+        </p:style>
+        <p:txBody>
+          <a:bodyPr rtlCol="0" anchor="ctr"/>
+          <a:lstStyle/>
+          <a:p>
+            <a:pPr algn="ctr"/>
+            <a:endParaRPr lang="en-US"/>
+          </a:p>
+        </p:txBody>
+      </p:sp>
+      <p:sp>
+        <p:nvSpPr>
+          <p:cNvPr id="6" name="Oval 5"/>
+          <p:cNvSpPr/>
+          <p:nvPr/>
+        </p:nvSpPr>
+        <p:spPr>
+          <a:xfrm>
+            <a:off x="1850908" y="2754916"/>
+            <a:ext cx="731520" cy="731520"/>
+          </a:xfrm>
+          <a:prstGeom prst="ellipse">
+            <a:avLst/>
+          </a:prstGeom>
+          <a:noFill/>
+          <a:ln w="38100">
+            <a:solidFill>
+              <a:srgbClr val="FF0000"/>
+            </a:solidFill>
+          </a:ln>
+          <a:scene3d>
+            <a:camera prst="isometricOffAxis2Right"/>
+            <a:lightRig rig="threePt" dir="t"/>
+          </a:scene3d>
+        </p:spPr>
+        <p:style>
+          <a:lnRef idx="2">
+            <a:schemeClr val="accent1">
+              <a:shade val="50000"/>
+            </a:schemeClr>
+          </a:lnRef>
+          <a:fillRef idx="1">
+            <a:schemeClr val="accent1"/>
+          </a:fillRef>
+          <a:effectRef idx="0">
+            <a:schemeClr val="accent1"/>
+          </a:effectRef>
+          <a:fontRef idx="minor">
+            <a:schemeClr val="lt1"/>
+          </a:fontRef>
+        </p:style>
+        <p:txBody>
+          <a:bodyPr rtlCol="0" anchor="ctr"/>
+          <a:lstStyle/>
+          <a:p>
+            <a:pPr algn="ctr"/>
+            <a:endParaRPr lang="en-US"/>
+          </a:p>
+        </p:txBody>
+      </p:sp>
+      <p:cxnSp>
+        <p:nvCxnSpPr>
+          <p:cNvPr id="7" name="Straight Connector 6"/>
+          <p:cNvCxnSpPr/>
+          <p:nvPr/>
+        </p:nvCxnSpPr>
+        <p:spPr>
+          <a:xfrm flipH="1">
+            <a:off x="342896" y="3117519"/>
+            <a:ext cx="10094772" cy="1"/>
+          </a:xfrm>
+          <a:prstGeom prst="line">
+            <a:avLst/>
+          </a:prstGeom>
+        </p:spPr>
+        <p:style>
+          <a:lnRef idx="1">
+            <a:schemeClr val="accent1"/>
+          </a:lnRef>
+          <a:fillRef idx="0">
+            <a:schemeClr val="accent1"/>
+          </a:fillRef>
+          <a:effectRef idx="0">
+            <a:schemeClr val="accent1"/>
+          </a:effectRef>
+          <a:fontRef idx="minor">
+            <a:schemeClr val="tx1"/>
+          </a:fontRef>
+        </p:style>
+      </p:cxnSp>
+      <p:grpSp>
+        <p:nvGrpSpPr>
+          <p:cNvPr id="8" name="Group 7"/>
+          <p:cNvGrpSpPr/>
+          <p:nvPr/>
+        </p:nvGrpSpPr>
+        <p:grpSpPr>
+          <a:xfrm>
+            <a:off x="9604328" y="2197859"/>
+            <a:ext cx="1828800" cy="1832724"/>
+            <a:chOff x="9604328" y="2197859"/>
+            <a:chExt cx="1828800" cy="1832724"/>
+          </a:xfrm>
+          <a:scene3d>
+            <a:camera prst="isometricOffAxis2Right"/>
+            <a:lightRig rig="threePt" dir="t"/>
+          </a:scene3d>
+        </p:grpSpPr>
+        <p:sp>
+          <p:nvSpPr>
+            <p:cNvPr id="9" name="Rectangle 8"/>
+            <p:cNvSpPr/>
+            <p:nvPr/>
+          </p:nvSpPr>
+          <p:spPr>
+            <a:xfrm>
+              <a:off x="9604328" y="2197859"/>
+              <a:ext cx="1828800" cy="1832724"/>
+            </a:xfrm>
+            <a:prstGeom prst="rect">
+              <a:avLst/>
+            </a:prstGeom>
+            <a:blipFill dpi="0" rotWithShape="1">
+              <a:blip r:embed="rId2">
+                <a:alphaModFix amt="22000"/>
+              </a:blip>
+              <a:srcRect/>
+              <a:stretch>
+                <a:fillRect/>
+              </a:stretch>
+            </a:blipFill>
+            <a:ln w="22225">
+              <a:solidFill>
+                <a:schemeClr val="tx1">
+                  <a:lumMod val="65000"/>
+                  <a:lumOff val="35000"/>
+                </a:schemeClr>
+              </a:solidFill>
+            </a:ln>
+          </p:spPr>
+          <p:style>
+            <a:lnRef idx="2">
+              <a:schemeClr val="accent1">
+                <a:shade val="50000"/>
+              </a:schemeClr>
+            </a:lnRef>
+            <a:fillRef idx="1">
+              <a:schemeClr val="accent1"/>
+            </a:fillRef>
+            <a:effectRef idx="0">
+              <a:schemeClr val="accent1"/>
+            </a:effectRef>
+            <a:fontRef idx="minor">
+              <a:schemeClr val="lt1"/>
+            </a:fontRef>
+          </p:style>
+          <p:txBody>
+            <a:bodyPr rtlCol="0" anchor="ctr"/>
+            <a:lstStyle/>
+            <a:p>
+              <a:pPr algn="ctr"/>
+              <a:endParaRPr lang="en-US"/>
+            </a:p>
+          </p:txBody>
+        </p:sp>
+        <p:grpSp>
+          <p:nvGrpSpPr>
+            <p:cNvPr id="10" name="Group 9"/>
+            <p:cNvGrpSpPr/>
+            <p:nvPr/>
+          </p:nvGrpSpPr>
+          <p:grpSpPr>
+            <a:xfrm flipV="1">
+              <a:off x="9902240" y="2264084"/>
+              <a:ext cx="1246913" cy="1726875"/>
+              <a:chOff x="2853675" y="4470934"/>
+              <a:chExt cx="1246913" cy="1726875"/>
+            </a:xfrm>
+          </p:grpSpPr>
+          <p:sp>
+            <p:nvSpPr>
+              <p:cNvPr id="11" name="Isosceles Triangle 10"/>
+              <p:cNvSpPr/>
+              <p:nvPr/>
+            </p:nvSpPr>
+            <p:spPr>
+              <a:xfrm>
+                <a:off x="2853675" y="4470934"/>
+                <a:ext cx="1246910" cy="1247405"/>
+              </a:xfrm>
+              <a:prstGeom prst="triangle">
+                <a:avLst>
+                  <a:gd name="adj" fmla="val 50000"/>
+                </a:avLst>
+              </a:prstGeom>
+              <a:noFill/>
+              <a:ln w="219075">
+                <a:solidFill>
+                  <a:srgbClr val="00B050"/>
+                </a:solidFill>
+              </a:ln>
+              <a:effectLst>
+                <a:softEdge rad="88900"/>
+              </a:effectLst>
+            </p:spPr>
+            <p:style>
+              <a:lnRef idx="2">
+                <a:schemeClr val="accent1">
+                  <a:shade val="50000"/>
+                </a:schemeClr>
+              </a:lnRef>
+              <a:fillRef idx="1">
+                <a:schemeClr val="accent1"/>
+              </a:fillRef>
+              <a:effectRef idx="0">
+                <a:schemeClr val="accent1"/>
+              </a:effectRef>
+              <a:fontRef idx="minor">
+                <a:schemeClr val="lt1"/>
+              </a:fontRef>
+            </p:style>
+            <p:txBody>
+              <a:bodyPr rtlCol="0" anchor="ctr"/>
+              <a:lstStyle/>
+              <a:p>
+                <a:pPr algn="ctr"/>
+                <a:endParaRPr lang="en-US"/>
+              </a:p>
+            </p:txBody>
+          </p:sp>
+          <p:sp>
+            <p:nvSpPr>
+              <p:cNvPr id="12" name="Oval 11"/>
+              <p:cNvSpPr/>
+              <p:nvPr/>
+            </p:nvSpPr>
+            <p:spPr>
+              <a:xfrm>
+                <a:off x="3114770" y="4971026"/>
+                <a:ext cx="731520" cy="731520"/>
+              </a:xfrm>
+              <a:prstGeom prst="ellipse">
+                <a:avLst/>
+              </a:prstGeom>
+              <a:noFill/>
+              <a:ln w="28575">
+                <a:solidFill>
+                  <a:srgbClr val="FF0000"/>
+                </a:solidFill>
+              </a:ln>
+            </p:spPr>
+            <p:style>
+              <a:lnRef idx="2">
+                <a:schemeClr val="accent1">
+                  <a:shade val="50000"/>
+                </a:schemeClr>
+              </a:lnRef>
+              <a:fillRef idx="1">
+                <a:schemeClr val="accent1"/>
+              </a:fillRef>
+              <a:effectRef idx="0">
+                <a:schemeClr val="accent1"/>
+              </a:effectRef>
+              <a:fontRef idx="minor">
+                <a:schemeClr val="lt1"/>
+              </a:fontRef>
+            </p:style>
+            <p:txBody>
+              <a:bodyPr rtlCol="0" anchor="ctr"/>
+              <a:lstStyle/>
+              <a:p>
+                <a:pPr algn="ctr"/>
+                <a:endParaRPr lang="en-US"/>
+              </a:p>
+            </p:txBody>
+          </p:sp>
+          <p:sp>
+            <p:nvSpPr>
+              <p:cNvPr id="13" name="Isosceles Triangle 12"/>
+              <p:cNvSpPr/>
+              <p:nvPr/>
+            </p:nvSpPr>
+            <p:spPr>
+              <a:xfrm flipV="1">
+                <a:off x="2853678" y="4950244"/>
+                <a:ext cx="1246910" cy="1247565"/>
+              </a:xfrm>
+              <a:prstGeom prst="triangle">
+                <a:avLst/>
+              </a:prstGeom>
+              <a:noFill/>
+              <a:ln w="219075">
+                <a:solidFill>
+                  <a:srgbClr val="00B0F0"/>
+                </a:solidFill>
+              </a:ln>
+              <a:effectLst>
+                <a:softEdge rad="88900"/>
+              </a:effectLst>
+            </p:spPr>
+            <p:style>
+              <a:lnRef idx="2">
+                <a:schemeClr val="accent1">
+                  <a:shade val="50000"/>
+                </a:schemeClr>
+              </a:lnRef>
+              <a:fillRef idx="1">
+                <a:schemeClr val="accent1"/>
+              </a:fillRef>
+              <a:effectRef idx="0">
+                <a:schemeClr val="accent1"/>
+              </a:effectRef>
+              <a:fontRef idx="minor">
+                <a:schemeClr val="lt1"/>
+              </a:fontRef>
+            </p:style>
+            <p:txBody>
+              <a:bodyPr rtlCol="0" anchor="ctr"/>
+              <a:lstStyle/>
+              <a:p>
+                <a:pPr algn="ctr"/>
+                <a:endParaRPr lang="en-US"/>
+              </a:p>
+            </p:txBody>
+          </p:sp>
+        </p:grpSp>
+      </p:grpSp>
+    </p:spTree>
+    <p:extLst>
+      <p:ext uri="{BB962C8B-B14F-4D97-AF65-F5344CB8AC3E}">
+        <p14:creationId xmlns:p14="http://schemas.microsoft.com/office/powerpoint/2010/main" val="1674537965"/>
+      </p:ext>
+    </p:extLst>
+  </p:cSld>
+  <p:clrMapOvr>
+    <a:masterClrMapping/>
+  </p:clrMapOvr>
+</p:sld>
+</file>
+
 <file path=ppt/theme/theme1.xml><?xml version="1.0" encoding="utf-8"?>
 <a:theme xmlns:a="http://schemas.openxmlformats.org/drawingml/2006/main" name="Office Theme">
   <a:themeElements>
